--- a/ppt/3차.pptx
+++ b/ppt/3차.pptx
@@ -5,16 +5,15 @@
     <p:sldMasterId id="2147483648" r:id="rId1"/>
   </p:sldMasterIdLst>
   <p:notesMasterIdLst>
-    <p:notesMasterId r:id="rId9"/>
+    <p:notesMasterId r:id="rId8"/>
   </p:notesMasterIdLst>
   <p:sldIdLst>
     <p:sldId id="256" r:id="rId2"/>
     <p:sldId id="257" r:id="rId3"/>
-    <p:sldId id="258" r:id="rId4"/>
-    <p:sldId id="264" r:id="rId5"/>
-    <p:sldId id="262" r:id="rId6"/>
-    <p:sldId id="265" r:id="rId7"/>
-    <p:sldId id="263" r:id="rId8"/>
+    <p:sldId id="264" r:id="rId4"/>
+    <p:sldId id="262" r:id="rId5"/>
+    <p:sldId id="265" r:id="rId6"/>
+    <p:sldId id="263" r:id="rId7"/>
   </p:sldIdLst>
   <p:sldSz cx="12192000" cy="6858000"/>
   <p:notesSz cx="6858000" cy="9144000"/>
@@ -215,7 +214,7 @@
           <a:p>
             <a:fld id="{80659892-62CD-404F-9C6F-50CDB7809186}" type="datetimeFigureOut">
               <a:rPr lang="ko-KR" altLang="en-US" smtClean="0"/>
-              <a:t>2019-11-25</a:t>
+              <a:t>2019-11-26</a:t>
             </a:fld>
             <a:endParaRPr lang="ko-KR" altLang="en-US"/>
           </a:p>
@@ -566,7 +565,7 @@
           <a:p>
             <a:fld id="{5249A694-36F2-4109-8810-A58E17141792}" type="slidenum">
               <a:rPr lang="ko-KR" altLang="en-US" smtClean="0"/>
-              <a:t>5</a:t>
+              <a:t>4</a:t>
             </a:fld>
             <a:endParaRPr lang="ko-KR" altLang="en-US"/>
           </a:p>
@@ -732,7 +731,7 @@
           <a:p>
             <a:fld id="{C0C79AB0-6FB5-4393-932F-D49FD4606DA7}" type="datetimeFigureOut">
               <a:rPr lang="ko-KR" altLang="en-US" smtClean="0"/>
-              <a:t>2019-11-25</a:t>
+              <a:t>2019-11-26</a:t>
             </a:fld>
             <a:endParaRPr lang="ko-KR" altLang="en-US"/>
           </a:p>
@@ -930,7 +929,7 @@
           <a:p>
             <a:fld id="{C0C79AB0-6FB5-4393-932F-D49FD4606DA7}" type="datetimeFigureOut">
               <a:rPr lang="ko-KR" altLang="en-US" smtClean="0"/>
-              <a:t>2019-11-25</a:t>
+              <a:t>2019-11-26</a:t>
             </a:fld>
             <a:endParaRPr lang="ko-KR" altLang="en-US"/>
           </a:p>
@@ -1138,7 +1137,7 @@
           <a:p>
             <a:fld id="{C0C79AB0-6FB5-4393-932F-D49FD4606DA7}" type="datetimeFigureOut">
               <a:rPr lang="ko-KR" altLang="en-US" smtClean="0"/>
-              <a:t>2019-11-25</a:t>
+              <a:t>2019-11-26</a:t>
             </a:fld>
             <a:endParaRPr lang="ko-KR" altLang="en-US"/>
           </a:p>
@@ -1336,7 +1335,7 @@
           <a:p>
             <a:fld id="{C0C79AB0-6FB5-4393-932F-D49FD4606DA7}" type="datetimeFigureOut">
               <a:rPr lang="ko-KR" altLang="en-US" smtClean="0"/>
-              <a:t>2019-11-25</a:t>
+              <a:t>2019-11-26</a:t>
             </a:fld>
             <a:endParaRPr lang="ko-KR" altLang="en-US"/>
           </a:p>
@@ -1611,7 +1610,7 @@
           <a:p>
             <a:fld id="{C0C79AB0-6FB5-4393-932F-D49FD4606DA7}" type="datetimeFigureOut">
               <a:rPr lang="ko-KR" altLang="en-US" smtClean="0"/>
-              <a:t>2019-11-25</a:t>
+              <a:t>2019-11-26</a:t>
             </a:fld>
             <a:endParaRPr lang="ko-KR" altLang="en-US"/>
           </a:p>
@@ -1876,7 +1875,7 @@
           <a:p>
             <a:fld id="{C0C79AB0-6FB5-4393-932F-D49FD4606DA7}" type="datetimeFigureOut">
               <a:rPr lang="ko-KR" altLang="en-US" smtClean="0"/>
-              <a:t>2019-11-25</a:t>
+              <a:t>2019-11-26</a:t>
             </a:fld>
             <a:endParaRPr lang="ko-KR" altLang="en-US"/>
           </a:p>
@@ -2288,7 +2287,7 @@
           <a:p>
             <a:fld id="{C0C79AB0-6FB5-4393-932F-D49FD4606DA7}" type="datetimeFigureOut">
               <a:rPr lang="ko-KR" altLang="en-US" smtClean="0"/>
-              <a:t>2019-11-25</a:t>
+              <a:t>2019-11-26</a:t>
             </a:fld>
             <a:endParaRPr lang="ko-KR" altLang="en-US"/>
           </a:p>
@@ -2429,7 +2428,7 @@
           <a:p>
             <a:fld id="{C0C79AB0-6FB5-4393-932F-D49FD4606DA7}" type="datetimeFigureOut">
               <a:rPr lang="ko-KR" altLang="en-US" smtClean="0"/>
-              <a:t>2019-11-25</a:t>
+              <a:t>2019-11-26</a:t>
             </a:fld>
             <a:endParaRPr lang="ko-KR" altLang="en-US"/>
           </a:p>
@@ -2542,7 +2541,7 @@
           <a:p>
             <a:fld id="{C0C79AB0-6FB5-4393-932F-D49FD4606DA7}" type="datetimeFigureOut">
               <a:rPr lang="ko-KR" altLang="en-US" smtClean="0"/>
-              <a:t>2019-11-25</a:t>
+              <a:t>2019-11-26</a:t>
             </a:fld>
             <a:endParaRPr lang="ko-KR" altLang="en-US"/>
           </a:p>
@@ -2853,7 +2852,7 @@
           <a:p>
             <a:fld id="{C0C79AB0-6FB5-4393-932F-D49FD4606DA7}" type="datetimeFigureOut">
               <a:rPr lang="ko-KR" altLang="en-US" smtClean="0"/>
-              <a:t>2019-11-25</a:t>
+              <a:t>2019-11-26</a:t>
             </a:fld>
             <a:endParaRPr lang="ko-KR" altLang="en-US"/>
           </a:p>
@@ -3141,7 +3140,7 @@
           <a:p>
             <a:fld id="{C0C79AB0-6FB5-4393-932F-D49FD4606DA7}" type="datetimeFigureOut">
               <a:rPr lang="ko-KR" altLang="en-US" smtClean="0"/>
-              <a:t>2019-11-25</a:t>
+              <a:t>2019-11-26</a:t>
             </a:fld>
             <a:endParaRPr lang="ko-KR" altLang="en-US"/>
           </a:p>
@@ -3382,7 +3381,7 @@
           <a:p>
             <a:fld id="{C0C79AB0-6FB5-4393-932F-D49FD4606DA7}" type="datetimeFigureOut">
               <a:rPr lang="ko-KR" altLang="en-US" smtClean="0"/>
-              <a:t>2019-11-25</a:t>
+              <a:t>2019-11-26</a:t>
             </a:fld>
             <a:endParaRPr lang="ko-KR" altLang="en-US"/>
           </a:p>
@@ -3998,14 +3997,25 @@
             <p:ph idx="1"/>
           </p:nvPr>
         </p:nvSpPr>
-        <p:spPr/>
+        <p:spPr>
+          <a:xfrm>
+            <a:off x="838200" y="1161948"/>
+            <a:ext cx="10515600" cy="4351338"/>
+          </a:xfrm>
+        </p:spPr>
         <p:txBody>
           <a:bodyPr/>
           <a:lstStyle/>
           <a:p>
+            <a:pPr marL="0" indent="0">
+              <a:buNone/>
+            </a:pPr>
+            <a:endParaRPr lang="en-US" altLang="ko-KR" dirty="0"/>
+          </a:p>
+          <a:p>
             <a:r>
               <a:rPr lang="ko-KR" altLang="en-US" dirty="0"/>
-              <a:t>게임 컨셉</a:t>
+              <a:t>개발 진척도</a:t>
             </a:r>
             <a:r>
               <a:rPr lang="en-US" altLang="ko-KR" dirty="0"/>
@@ -4014,34 +4024,24 @@
           </a:p>
           <a:p>
             <a:r>
+              <a:rPr lang="en-US" altLang="ko-KR" dirty="0"/>
+              <a:t>Git </a:t>
+            </a:r>
+            <a:r>
+              <a:rPr lang="ko-KR" altLang="en-US" dirty="0" err="1"/>
+              <a:t>커밋</a:t>
+            </a:r>
+            <a:r>
               <a:rPr lang="ko-KR" altLang="en-US" dirty="0"/>
-              <a:t>개발 범위</a:t>
-            </a:r>
-            <a:r>
-              <a:rPr lang="en-US" altLang="ko-KR" dirty="0"/>
-              <a:t>.</a:t>
-            </a:r>
+              <a:t> 기록</a:t>
+            </a:r>
+            <a:endParaRPr lang="en-US" altLang="ko-KR" dirty="0"/>
           </a:p>
           <a:p>
             <a:r>
               <a:rPr lang="ko-KR" altLang="en-US" dirty="0"/>
-              <a:t>예상 게임 실행 흐름</a:t>
-            </a:r>
-            <a:r>
-              <a:rPr lang="en-US" altLang="ko-KR" dirty="0"/>
-              <a:t>.</a:t>
-            </a:r>
-          </a:p>
-          <a:p>
-            <a:r>
-              <a:rPr lang="ko-KR" altLang="en-US" dirty="0"/>
-              <a:t>개발 일정</a:t>
-            </a:r>
-            <a:r>
-              <a:rPr lang="en-US" altLang="ko-KR" dirty="0"/>
-              <a:t>.</a:t>
-            </a:r>
-            <a:endParaRPr lang="ko-KR" altLang="en-US" dirty="0"/>
+              <a:t>시연</a:t>
+            </a:r>
           </a:p>
         </p:txBody>
       </p:sp>
@@ -4102,14 +4102,6 @@
 <file path=ppt/slides/slide3.xml><?xml version="1.0" encoding="utf-8"?>
 <p:sld xmlns:a="http://schemas.openxmlformats.org/drawingml/2006/main" xmlns:r="http://schemas.openxmlformats.org/officeDocument/2006/relationships" xmlns:p="http://schemas.openxmlformats.org/presentationml/2006/main">
   <p:cSld>
-    <p:bg>
-      <p:bgPr>
-        <a:solidFill>
-          <a:schemeClr val="bg1"/>
-        </a:solidFill>
-        <a:effectLst/>
-      </p:bgPr>
-    </p:bg>
     <p:spTree>
       <p:nvGrpSpPr>
         <p:cNvPr id="1" name=""/>
@@ -4126,299 +4118,6 @@
       </p:grpSpPr>
       <p:sp>
         <p:nvSpPr>
-          <p:cNvPr id="5" name="내용 개체 틀 4">
-            <a:extLst>
-              <a:ext uri="{FF2B5EF4-FFF2-40B4-BE49-F238E27FC236}">
-                <a16:creationId xmlns:a16="http://schemas.microsoft.com/office/drawing/2014/main" id="{13DB100B-6F83-47AC-A0F0-C386FAC7E161}"/>
-              </a:ext>
-            </a:extLst>
-          </p:cNvPr>
-          <p:cNvSpPr>
-            <a:spLocks noGrp="1"/>
-          </p:cNvSpPr>
-          <p:nvPr>
-            <p:ph idx="1"/>
-          </p:nvPr>
-        </p:nvSpPr>
-        <p:spPr>
-          <a:xfrm>
-            <a:off x="594610" y="1116594"/>
-            <a:ext cx="3081097" cy="3785419"/>
-          </a:xfrm>
-        </p:spPr>
-        <p:txBody>
-          <a:bodyPr>
-            <a:normAutofit/>
-          </a:bodyPr>
-          <a:lstStyle/>
-          <a:p>
-            <a:pPr>
-              <a:lnSpc>
-                <a:spcPct val="120000"/>
-              </a:lnSpc>
-            </a:pPr>
-            <a:endParaRPr lang="en-US" altLang="ko-KR" sz="1800" dirty="0"/>
-          </a:p>
-          <a:p>
-            <a:pPr>
-              <a:lnSpc>
-                <a:spcPct val="120000"/>
-              </a:lnSpc>
-            </a:pPr>
-            <a:r>
-              <a:rPr lang="en-US" altLang="ko-KR" sz="1800" dirty="0"/>
-              <a:t>‘</a:t>
-            </a:r>
-            <a:r>
-              <a:rPr lang="ko-KR" altLang="en-US" sz="1800" dirty="0" err="1"/>
-              <a:t>던그리드</a:t>
-            </a:r>
-            <a:r>
-              <a:rPr lang="en-US" altLang="ko-KR" sz="1800" dirty="0"/>
-              <a:t>’</a:t>
-            </a:r>
-            <a:r>
-              <a:rPr lang="ko-KR" altLang="en-US" sz="1800" dirty="0"/>
-              <a:t>를 </a:t>
-            </a:r>
-            <a:r>
-              <a:rPr lang="ko-KR" altLang="en-US" sz="1800" dirty="0" err="1"/>
-              <a:t>모티브로한</a:t>
-            </a:r>
-            <a:r>
-              <a:rPr lang="ko-KR" altLang="en-US" sz="1800" dirty="0"/>
-              <a:t> </a:t>
-            </a:r>
-            <a:r>
-              <a:rPr lang="en-US" altLang="ko-KR" sz="1800" dirty="0"/>
-              <a:t>2D </a:t>
-            </a:r>
-            <a:r>
-              <a:rPr lang="ko-KR" altLang="en-US" sz="1800" dirty="0"/>
-              <a:t>횡 스크롤 </a:t>
-            </a:r>
-            <a:r>
-              <a:rPr lang="ko-KR" altLang="en-US" sz="1800" dirty="0" err="1"/>
-              <a:t>로크라이크</a:t>
-            </a:r>
-            <a:r>
-              <a:rPr lang="ko-KR" altLang="en-US" sz="1800" dirty="0"/>
-              <a:t> 캐주얼 액션 게임 </a:t>
-            </a:r>
-            <a:endParaRPr lang="en-US" altLang="ko-KR" sz="1800" dirty="0"/>
-          </a:p>
-          <a:p>
-            <a:pPr>
-              <a:lnSpc>
-                <a:spcPct val="120000"/>
-              </a:lnSpc>
-            </a:pPr>
-            <a:r>
-              <a:rPr lang="ko-KR" altLang="en-US" sz="1800" dirty="0"/>
-              <a:t>방에 있는 적을 물리치며 방을 이동 하여 해당 스테이지의 보스를 격파</a:t>
-            </a:r>
-            <a:endParaRPr lang="en-US" altLang="ko-KR" sz="1800" dirty="0"/>
-          </a:p>
-          <a:p>
-            <a:pPr>
-              <a:lnSpc>
-                <a:spcPct val="120000"/>
-              </a:lnSpc>
-            </a:pPr>
-            <a:endParaRPr lang="en-US" altLang="ko-KR" sz="1800" dirty="0"/>
-          </a:p>
-          <a:p>
-            <a:pPr>
-              <a:lnSpc>
-                <a:spcPct val="120000"/>
-              </a:lnSpc>
-            </a:pPr>
-            <a:endParaRPr lang="en-US" altLang="ko-KR" sz="1800" dirty="0"/>
-          </a:p>
-          <a:p>
-            <a:pPr>
-              <a:lnSpc>
-                <a:spcPct val="120000"/>
-              </a:lnSpc>
-            </a:pPr>
-            <a:endParaRPr lang="en-US" altLang="ko-KR" sz="1800" dirty="0"/>
-          </a:p>
-        </p:txBody>
-      </p:sp>
-      <p:pic>
-        <p:nvPicPr>
-          <p:cNvPr id="7" name="Picture 8">
-            <a:extLst>
-              <a:ext uri="{FF2B5EF4-FFF2-40B4-BE49-F238E27FC236}">
-                <a16:creationId xmlns:a16="http://schemas.microsoft.com/office/drawing/2014/main" id="{92743B0E-9144-40A8-8340-495B67D7A1A8}"/>
-              </a:ext>
-            </a:extLst>
-          </p:cNvPr>
-          <p:cNvPicPr>
-            <a:picLocks noChangeAspect="1" noChangeArrowheads="1"/>
-          </p:cNvPicPr>
-          <p:nvPr/>
-        </p:nvPicPr>
-        <p:blipFill>
-          <a:blip r:embed="rId2">
-            <a:extLst>
-              <a:ext uri="{28A0092B-C50C-407E-A947-70E740481C1C}">
-                <a14:useLocalDpi xmlns:a14="http://schemas.microsoft.com/office/drawing/2010/main" val="0"/>
-              </a:ext>
-            </a:extLst>
-          </a:blip>
-          <a:srcRect/>
-          <a:stretch>
-            <a:fillRect/>
-          </a:stretch>
-        </p:blipFill>
-        <p:spPr bwMode="auto">
-          <a:xfrm>
-            <a:off x="4160216" y="1116594"/>
-            <a:ext cx="7048179" cy="3935233"/>
-          </a:xfrm>
-          <a:prstGeom prst="rect">
-            <a:avLst/>
-          </a:prstGeom>
-          <a:noFill/>
-          <a:extLst>
-            <a:ext uri="{909E8E84-426E-40DD-AFC4-6F175D3DCCD1}">
-              <a14:hiddenFill xmlns:a14="http://schemas.microsoft.com/office/drawing/2010/main">
-                <a:solidFill>
-                  <a:srgbClr val="FFFFFF"/>
-                </a:solidFill>
-              </a14:hiddenFill>
-            </a:ext>
-          </a:extLst>
-        </p:spPr>
-      </p:pic>
-      <p:sp>
-        <p:nvSpPr>
-          <p:cNvPr id="24" name="제목 1">
-            <a:extLst>
-              <a:ext uri="{FF2B5EF4-FFF2-40B4-BE49-F238E27FC236}">
-                <a16:creationId xmlns:a16="http://schemas.microsoft.com/office/drawing/2014/main" id="{4DD2C9CC-A5E8-410C-B3CD-66A2F0A5BE05}"/>
-              </a:ext>
-            </a:extLst>
-          </p:cNvPr>
-          <p:cNvSpPr txBox="1">
-            <a:spLocks/>
-          </p:cNvSpPr>
-          <p:nvPr/>
-        </p:nvSpPr>
-        <p:spPr>
-          <a:xfrm>
-            <a:off x="520072" y="354099"/>
-            <a:ext cx="6132968" cy="312738"/>
-          </a:xfrm>
-          <a:prstGeom prst="rect">
-            <a:avLst/>
-          </a:prstGeom>
-        </p:spPr>
-        <p:txBody>
-          <a:bodyPr vert="horz" lIns="91440" tIns="45720" rIns="91440" bIns="45720" rtlCol="0" anchor="ctr">
-            <a:noAutofit/>
-          </a:bodyPr>
-          <a:lstStyle>
-            <a:lvl1pPr algn="l" defTabSz="914400" rtl="0" eaLnBrk="1" latinLnBrk="1" hangingPunct="1">
-              <a:lnSpc>
-                <a:spcPct val="90000"/>
-              </a:lnSpc>
-              <a:spcBef>
-                <a:spcPct val="0"/>
-              </a:spcBef>
-              <a:buNone/>
-              <a:defRPr sz="4400" kern="1200">
-                <a:solidFill>
-                  <a:schemeClr val="tx1"/>
-                </a:solidFill>
-                <a:latin typeface="+mj-lt"/>
-                <a:ea typeface="+mj-ea"/>
-                <a:cs typeface="+mj-cs"/>
-              </a:defRPr>
-            </a:lvl1pPr>
-          </a:lstStyle>
-          <a:p>
-            <a:r>
-              <a:rPr lang="ko-KR" altLang="en-US" sz="3200" dirty="0"/>
-              <a:t>게임 컨셉</a:t>
-            </a:r>
-          </a:p>
-        </p:txBody>
-      </p:sp>
-      <p:cxnSp>
-        <p:nvCxnSpPr>
-          <p:cNvPr id="25" name="직선 연결선 24">
-            <a:extLst>
-              <a:ext uri="{FF2B5EF4-FFF2-40B4-BE49-F238E27FC236}">
-                <a16:creationId xmlns:a16="http://schemas.microsoft.com/office/drawing/2014/main" id="{4A09BAB0-B06C-4C6F-89AB-EAA127113C4E}"/>
-              </a:ext>
-            </a:extLst>
-          </p:cNvPr>
-          <p:cNvCxnSpPr/>
-          <p:nvPr/>
-        </p:nvCxnSpPr>
-        <p:spPr>
-          <a:xfrm>
-            <a:off x="520072" y="715224"/>
-            <a:ext cx="10805813" cy="0"/>
-          </a:xfrm>
-          <a:prstGeom prst="line">
-            <a:avLst/>
-          </a:prstGeom>
-          <a:ln>
-            <a:solidFill>
-              <a:schemeClr val="tx1"/>
-            </a:solidFill>
-          </a:ln>
-        </p:spPr>
-        <p:style>
-          <a:lnRef idx="1">
-            <a:schemeClr val="accent1"/>
-          </a:lnRef>
-          <a:fillRef idx="0">
-            <a:schemeClr val="accent1"/>
-          </a:fillRef>
-          <a:effectRef idx="0">
-            <a:schemeClr val="accent1"/>
-          </a:effectRef>
-          <a:fontRef idx="minor">
-            <a:schemeClr val="tx1"/>
-          </a:fontRef>
-        </p:style>
-      </p:cxnSp>
-    </p:spTree>
-    <p:extLst>
-      <p:ext uri="{BB962C8B-B14F-4D97-AF65-F5344CB8AC3E}">
-        <p14:creationId xmlns:p14="http://schemas.microsoft.com/office/powerpoint/2010/main" val="224089816"/>
-      </p:ext>
-    </p:extLst>
-  </p:cSld>
-  <p:clrMapOvr>
-    <a:masterClrMapping/>
-  </p:clrMapOvr>
-</p:sld>
-</file>
-
-<file path=ppt/slides/slide4.xml><?xml version="1.0" encoding="utf-8"?>
-<p:sld xmlns:a="http://schemas.openxmlformats.org/drawingml/2006/main" xmlns:r="http://schemas.openxmlformats.org/officeDocument/2006/relationships" xmlns:p="http://schemas.openxmlformats.org/presentationml/2006/main">
-  <p:cSld>
-    <p:spTree>
-      <p:nvGrpSpPr>
-        <p:cNvPr id="1" name=""/>
-        <p:cNvGrpSpPr/>
-        <p:nvPr/>
-      </p:nvGrpSpPr>
-      <p:grpSpPr>
-        <a:xfrm>
-          <a:off x="0" y="0"/>
-          <a:ext cx="0" cy="0"/>
-          <a:chOff x="0" y="0"/>
-          <a:chExt cx="0" cy="0"/>
-        </a:xfrm>
-      </p:grpSpPr>
-      <p:sp>
-        <p:nvSpPr>
           <p:cNvPr id="10" name="제목 1">
             <a:extLst>
               <a:ext uri="{FF2B5EF4-FFF2-40B4-BE49-F238E27FC236}">
@@ -4447,7 +4146,7 @@
           <a:p>
             <a:r>
               <a:rPr lang="ko-KR" altLang="en-US" sz="3200" dirty="0"/>
-              <a:t>개발 범위</a:t>
+              <a:t>개발 진척도</a:t>
             </a:r>
           </a:p>
         </p:txBody>
@@ -4507,11 +4206,16 @@
           </p:cNvGraphicFramePr>
           <p:nvPr>
             <p:ph idx="1"/>
+            <p:extLst>
+              <p:ext uri="{D42A27DB-BD31-4B8C-83A1-F6EECF244321}">
+                <p14:modId xmlns:p14="http://schemas.microsoft.com/office/powerpoint/2010/main" val="3696036328"/>
+              </p:ext>
+            </p:extLst>
           </p:nvPr>
         </p:nvGraphicFramePr>
         <p:xfrm>
-          <a:off x="520071" y="870560"/>
-          <a:ext cx="10805814" cy="5609355"/>
+          <a:off x="520071" y="874293"/>
+          <a:ext cx="10805814" cy="5778701"/>
         </p:xfrm>
         <a:graphic>
           <a:graphicData uri="http://schemas.openxmlformats.org/drawingml/2006/table">
@@ -4534,15 +4238,22 @@
                     </a:ext>
                   </a:extLst>
                 </a:gridCol>
-                <a:gridCol w="5033728">
+                <a:gridCol w="2516864">
                   <a:extLst>
                     <a:ext uri="{9D8B030D-6E8A-4147-A177-3AD203B41FA5}">
                       <a16:colId xmlns:a16="http://schemas.microsoft.com/office/drawing/2014/main" val="1297743605"/>
                     </a:ext>
                   </a:extLst>
                 </a:gridCol>
+                <a:gridCol w="2516864">
+                  <a:extLst>
+                    <a:ext uri="{9D8B030D-6E8A-4147-A177-3AD203B41FA5}">
+                      <a16:colId xmlns:a16="http://schemas.microsoft.com/office/drawing/2014/main" val="1880824139"/>
+                    </a:ext>
+                  </a:extLst>
+                </a:gridCol>
               </a:tblGrid>
-              <a:tr h="241363">
+              <a:tr h="301068">
                 <a:tc>
                   <a:txBody>
                     <a:bodyPr/>
@@ -4564,8 +4275,12 @@
                     <a:p>
                       <a:pPr latinLnBrk="1"/>
                       <a:r>
-                        <a:rPr lang="ko-KR" altLang="en-US" sz="1400" dirty="0"/>
-                        <a:t>최소 범위</a:t>
+                        <a:rPr lang="en-US" altLang="ko-KR" sz="1400" dirty="0"/>
+                        <a:t>1</a:t>
+                      </a:r>
+                      <a:r>
+                        <a:rPr lang="ko-KR" altLang="en-US" sz="1400" dirty="0"/>
+                        <a:t>차 목표 범위</a:t>
                       </a:r>
                     </a:p>
                   </a:txBody>
@@ -4579,7 +4294,21 @@
                       <a:pPr latinLnBrk="1"/>
                       <a:r>
                         <a:rPr lang="ko-KR" altLang="en-US" sz="1400" dirty="0"/>
-                        <a:t>추가 범위</a:t>
+                        <a:t>실제 개발 완료 범위</a:t>
+                      </a:r>
+                    </a:p>
+                  </a:txBody>
+                  <a:tcPr/>
+                </a:tc>
+                <a:tc>
+                  <a:txBody>
+                    <a:bodyPr/>
+                    <a:lstStyle/>
+                    <a:p>
+                      <a:pPr latinLnBrk="1"/>
+                      <a:r>
+                        <a:rPr lang="ko-KR" altLang="en-US" sz="1400" dirty="0"/>
+                        <a:t>진척도</a:t>
                       </a:r>
                     </a:p>
                   </a:txBody>
@@ -4591,7 +4320,7 @@
                   </a:ext>
                 </a:extLst>
               </a:tr>
-              <a:tr h="241363">
+              <a:tr h="293288">
                 <a:tc>
                   <a:txBody>
                     <a:bodyPr/>
@@ -4622,7 +4351,7 @@
                   </a:txBody>
                   <a:tcPr/>
                 </a:tc>
-                <a:tc gridSpan="2">
+                <a:tc>
                   <a:txBody>
                     <a:bodyPr/>
                     <a:lstStyle/>
@@ -4644,12 +4373,30 @@
                   </a:txBody>
                   <a:tcPr/>
                 </a:tc>
-                <a:tc hMerge="1">
+                <a:tc>
                   <a:txBody>
                     <a:bodyPr/>
                     <a:lstStyle/>
                     <a:p>
                       <a:pPr latinLnBrk="1"/>
+                      <a:r>
+                        <a:rPr lang="ko-KR" altLang="en-US" sz="1400" dirty="0"/>
+                        <a:t>구현</a:t>
+                      </a:r>
+                    </a:p>
+                  </a:txBody>
+                  <a:tcPr/>
+                </a:tc>
+                <a:tc>
+                  <a:txBody>
+                    <a:bodyPr/>
+                    <a:lstStyle/>
+                    <a:p>
+                      <a:pPr latinLnBrk="1"/>
+                      <a:r>
+                        <a:rPr lang="en-US" altLang="ko-KR" sz="1400" dirty="0"/>
+                        <a:t>100 %</a:t>
+                      </a:r>
                       <a:endParaRPr lang="ko-KR" altLang="en-US" sz="1400" dirty="0"/>
                     </a:p>
                   </a:txBody>
@@ -4661,7 +4408,7 @@
                   </a:ext>
                 </a:extLst>
               </a:tr>
-              <a:tr h="579270">
+              <a:tr h="703892">
                 <a:tc>
                   <a:txBody>
                     <a:bodyPr/>
@@ -4676,7 +4423,7 @@
                   </a:txBody>
                   <a:tcPr/>
                 </a:tc>
-                <a:tc gridSpan="2">
+                <a:tc>
                   <a:txBody>
                     <a:bodyPr/>
                     <a:lstStyle/>
@@ -4711,12 +4458,41 @@
                   </a:txBody>
                   <a:tcPr/>
                 </a:tc>
-                <a:tc hMerge="1">
+                <a:tc>
                   <a:txBody>
                     <a:bodyPr/>
                     <a:lstStyle/>
                     <a:p>
                       <a:pPr latinLnBrk="1"/>
+                      <a:r>
+                        <a:rPr lang="ko-KR" altLang="en-US" sz="1400" dirty="0"/>
+                        <a:t>무기 교체는 가능하지만 원거리 무기만 구현</a:t>
+                      </a:r>
+                      <a:r>
+                        <a:rPr lang="en-US" altLang="ko-KR" sz="1400" dirty="0"/>
+                        <a:t>.</a:t>
+                      </a:r>
+                    </a:p>
+                    <a:p>
+                      <a:pPr latinLnBrk="1"/>
+                      <a:r>
+                        <a:rPr lang="ko-KR" altLang="en-US" sz="1400" dirty="0"/>
+                        <a:t>기술 구현</a:t>
+                      </a:r>
+                    </a:p>
+                  </a:txBody>
+                  <a:tcPr/>
+                </a:tc>
+                <a:tc>
+                  <a:txBody>
+                    <a:bodyPr/>
+                    <a:lstStyle/>
+                    <a:p>
+                      <a:pPr latinLnBrk="1"/>
+                      <a:r>
+                        <a:rPr lang="en-US" altLang="ko-KR" sz="1400" dirty="0"/>
+                        <a:t>75 %</a:t>
+                      </a:r>
                       <a:endParaRPr lang="ko-KR" altLang="en-US" sz="1400" dirty="0"/>
                     </a:p>
                   </a:txBody>
@@ -4728,7 +4504,7 @@
                   </a:ext>
                 </a:extLst>
               </a:tr>
-              <a:tr h="859766">
+              <a:tr h="827295">
                 <a:tc>
                   <a:txBody>
                     <a:bodyPr/>
@@ -4809,11 +4585,29 @@
                       <a:pPr latinLnBrk="1"/>
                       <a:r>
                         <a:rPr lang="ko-KR" altLang="en-US" sz="1400" dirty="0"/>
-                        <a:t>부실 수 있는 오브젝트 등의 방 디테일 추가</a:t>
+                        <a:t>타일 시스템</a:t>
                       </a:r>
                       <a:r>
                         <a:rPr lang="en-US" altLang="ko-KR" sz="1400" dirty="0"/>
-                        <a:t>.</a:t>
+                        <a:t>, </a:t>
+                      </a:r>
+                      <a:r>
+                        <a:rPr lang="ko-KR" altLang="en-US" sz="1400" dirty="0"/>
+                        <a:t>맵 이동 구현</a:t>
+                      </a:r>
+                    </a:p>
+                  </a:txBody>
+                  <a:tcPr/>
+                </a:tc>
+                <a:tc>
+                  <a:txBody>
+                    <a:bodyPr/>
+                    <a:lstStyle/>
+                    <a:p>
+                      <a:pPr latinLnBrk="1"/>
+                      <a:r>
+                        <a:rPr lang="en-US" altLang="ko-KR" sz="1400" dirty="0"/>
+                        <a:t>100 %</a:t>
                       </a:r>
                       <a:endParaRPr lang="ko-KR" altLang="en-US" sz="1400" dirty="0"/>
                     </a:p>
@@ -4826,7 +4620,7 @@
                   </a:ext>
                 </a:extLst>
               </a:tr>
-              <a:tr h="1527600">
+              <a:tr h="1469906">
                 <a:tc>
                   <a:txBody>
                     <a:bodyPr/>
@@ -4965,23 +4759,7 @@
                       <a:pPr latinLnBrk="1"/>
                       <a:r>
                         <a:rPr lang="ko-KR" altLang="en-US" sz="1400" dirty="0"/>
-                        <a:t>근거리 적 </a:t>
-                      </a:r>
-                      <a:r>
-                        <a:rPr lang="en-US" altLang="ko-KR" sz="1400" dirty="0"/>
-                        <a:t>) </a:t>
-                      </a:r>
-                      <a:r>
-                        <a:rPr lang="ko-KR" altLang="en-US" sz="1400" dirty="0"/>
-                        <a:t>돌진 공격</a:t>
-                      </a:r>
-                      <a:endParaRPr lang="en-US" altLang="ko-KR" sz="1400" dirty="0"/>
-                    </a:p>
-                    <a:p>
-                      <a:pPr latinLnBrk="1"/>
-                      <a:r>
-                        <a:rPr lang="ko-KR" altLang="en-US" sz="1400" dirty="0"/>
-                        <a:t>보스</a:t>
+                        <a:t>근거리 적</a:t>
                       </a:r>
                       <a:r>
                         <a:rPr lang="en-US" altLang="ko-KR" sz="1400" dirty="0"/>
@@ -4989,15 +4767,37 @@
                       </a:r>
                       <a:r>
                         <a:rPr lang="ko-KR" altLang="en-US" sz="1400" dirty="0"/>
-                        <a:t>원거리 적</a:t>
-                      </a:r>
-                      <a:r>
-                        <a:rPr lang="en-US" altLang="ko-KR" sz="1400" dirty="0"/>
-                        <a:t> ) </a:t>
-                      </a:r>
-                      <a:r>
-                        <a:rPr lang="ko-KR" altLang="en-US" sz="1400" dirty="0"/>
-                        <a:t>탄막 형태의 원거리 공격</a:t>
+                        <a:t>원거리 적 구현</a:t>
+                      </a:r>
+                      <a:endParaRPr lang="en-US" altLang="ko-KR" sz="1400" dirty="0"/>
+                    </a:p>
+                    <a:p>
+                      <a:pPr latinLnBrk="1"/>
+                      <a:r>
+                        <a:rPr lang="ko-KR" altLang="en-US" sz="1400" dirty="0"/>
+                        <a:t>보스 구현</a:t>
+                      </a:r>
+                    </a:p>
+                  </a:txBody>
+                  <a:tcPr/>
+                </a:tc>
+                <a:tc>
+                  <a:txBody>
+                    <a:bodyPr/>
+                    <a:lstStyle/>
+                    <a:p>
+                      <a:pPr latinLnBrk="1"/>
+                      <a:r>
+                        <a:rPr lang="ko-KR" altLang="en-US" sz="1400" dirty="0"/>
+                        <a:t>적 구현</a:t>
+                      </a:r>
+                      <a:endParaRPr lang="en-US" altLang="ko-KR" sz="1400" dirty="0"/>
+                    </a:p>
+                    <a:p>
+                      <a:pPr latinLnBrk="1"/>
+                      <a:r>
+                        <a:rPr lang="ko-KR" altLang="en-US" sz="1400" dirty="0"/>
+                        <a:t>보스 구현</a:t>
                       </a:r>
                     </a:p>
                   </a:txBody>
@@ -5009,7 +4809,7 @@
                   </a:ext>
                 </a:extLst>
               </a:tr>
-              <a:tr h="437049">
+              <a:tr h="420543">
                 <a:tc>
                   <a:txBody>
                     <a:bodyPr/>
@@ -5024,7 +4824,7 @@
                   </a:txBody>
                   <a:tcPr/>
                 </a:tc>
-                <a:tc gridSpan="2">
+                <a:tc>
                   <a:txBody>
                     <a:bodyPr/>
                     <a:lstStyle/>
@@ -5055,7 +4855,21 @@
                   </a:txBody>
                   <a:tcPr/>
                 </a:tc>
-                <a:tc hMerge="1">
+                <a:tc>
+                  <a:txBody>
+                    <a:bodyPr/>
+                    <a:lstStyle/>
+                    <a:p>
+                      <a:pPr latinLnBrk="1"/>
+                      <a:r>
+                        <a:rPr lang="ko-KR" altLang="en-US" sz="1400" dirty="0"/>
+                        <a:t>사운드 구현 </a:t>
+                      </a:r>
+                    </a:p>
+                  </a:txBody>
+                  <a:tcPr/>
+                </a:tc>
+                <a:tc>
                   <a:txBody>
                     <a:bodyPr/>
                     <a:lstStyle/>
@@ -5072,7 +4886,7 @@
                   </a:ext>
                 </a:extLst>
               </a:tr>
-              <a:tr h="437049">
+              <a:tr h="420543">
                 <a:tc>
                   <a:txBody>
                     <a:bodyPr/>
@@ -5087,7 +4901,7 @@
                   </a:txBody>
                   <a:tcPr/>
                 </a:tc>
-                <a:tc gridSpan="2">
+                <a:tc>
                   <a:txBody>
                     <a:bodyPr/>
                     <a:lstStyle/>
@@ -5101,6 +4915,17 @@
                         <a:rPr lang="en-US" altLang="ko-KR" sz="1400" dirty="0"/>
                         <a:t>.</a:t>
                       </a:r>
+                    </a:p>
+                  </a:txBody>
+                  <a:tcPr/>
+                </a:tc>
+                <a:tc gridSpan="2">
+                  <a:txBody>
+                    <a:bodyPr/>
+                    <a:lstStyle/>
+                    <a:p>
+                      <a:pPr latinLnBrk="1"/>
+                      <a:endParaRPr lang="ko-KR" altLang="en-US" dirty="0"/>
                     </a:p>
                   </a:txBody>
                   <a:tcPr/>
@@ -5122,7 +4947,7 @@
                   </a:ext>
                 </a:extLst>
               </a:tr>
-              <a:tr h="488611">
+              <a:tr h="498590">
                 <a:tc>
                   <a:txBody>
                     <a:bodyPr/>
@@ -5164,8 +4989,31 @@
                       <a:pPr latinLnBrk="1"/>
                       <a:r>
                         <a:rPr lang="ko-KR" altLang="en-US" sz="1400" dirty="0"/>
-                        <a:t>추가 장비를 구현</a:t>
-                      </a:r>
+                        <a:t>회복 아이템</a:t>
+                      </a:r>
+                      <a:r>
+                        <a:rPr lang="en-US" altLang="ko-KR" sz="1400" dirty="0"/>
+                        <a:t>,</a:t>
+                      </a:r>
+                      <a:r>
+                        <a:rPr lang="ko-KR" altLang="en-US" sz="1400" dirty="0"/>
+                        <a:t> 돈 구현</a:t>
+                      </a:r>
+                    </a:p>
+                  </a:txBody>
+                  <a:tcPr/>
+                </a:tc>
+                <a:tc>
+                  <a:txBody>
+                    <a:bodyPr/>
+                    <a:lstStyle/>
+                    <a:p>
+                      <a:pPr latinLnBrk="1"/>
+                      <a:r>
+                        <a:rPr lang="en-US" altLang="ko-KR" sz="1400" dirty="0"/>
+                        <a:t>100 %</a:t>
+                      </a:r>
+                      <a:endParaRPr lang="ko-KR" altLang="en-US" sz="1400" dirty="0"/>
                     </a:p>
                   </a:txBody>
                   <a:tcPr/>
@@ -5176,7 +5024,7 @@
                   </a:ext>
                 </a:extLst>
               </a:tr>
-              <a:tr h="488611">
+              <a:tr h="470157">
                 <a:tc>
                   <a:txBody>
                     <a:bodyPr/>
@@ -5191,7 +5039,7 @@
                   </a:txBody>
                   <a:tcPr/>
                 </a:tc>
-                <a:tc gridSpan="2">
+                <a:tc>
                   <a:txBody>
                     <a:bodyPr/>
                     <a:lstStyle/>
@@ -5206,12 +5054,38 @@
                   </a:txBody>
                   <a:tcPr/>
                 </a:tc>
-                <a:tc hMerge="1">
+                <a:tc>
                   <a:txBody>
                     <a:bodyPr/>
                     <a:lstStyle/>
                     <a:p>
                       <a:pPr latinLnBrk="1"/>
+                      <a:r>
+                        <a:rPr lang="ko-KR" altLang="en-US" sz="1400" dirty="0"/>
+                        <a:t>음식점 </a:t>
+                      </a:r>
+                      <a:r>
+                        <a:rPr lang="en-US" altLang="ko-KR" sz="1400" dirty="0"/>
+                        <a:t>UI</a:t>
+                      </a:r>
+                      <a:r>
+                        <a:rPr lang="ko-KR" altLang="en-US" sz="1400" dirty="0"/>
+                        <a:t> 일부 구현</a:t>
+                      </a:r>
+                    </a:p>
+                  </a:txBody>
+                  <a:tcPr/>
+                </a:tc>
+                <a:tc>
+                  <a:txBody>
+                    <a:bodyPr/>
+                    <a:lstStyle/>
+                    <a:p>
+                      <a:pPr latinLnBrk="1"/>
+                      <a:r>
+                        <a:rPr lang="en-US" altLang="ko-KR" sz="1400" dirty="0"/>
+                        <a:t>30 %</a:t>
+                      </a:r>
                       <a:endParaRPr lang="ko-KR" altLang="en-US" sz="1400" dirty="0"/>
                     </a:p>
                   </a:txBody>
@@ -5240,7 +5114,7 @@
 </p:sld>
 </file>
 
-<file path=ppt/slides/slide5.xml><?xml version="1.0" encoding="utf-8"?>
+<file path=ppt/slides/slide4.xml><?xml version="1.0" encoding="utf-8"?>
 <p:sld xmlns:a="http://schemas.openxmlformats.org/drawingml/2006/main" xmlns:r="http://schemas.openxmlformats.org/officeDocument/2006/relationships" xmlns:p="http://schemas.openxmlformats.org/presentationml/2006/main">
   <p:cSld>
     <p:spTree>
@@ -6337,7 +6211,7 @@
 </p:sld>
 </file>
 
-<file path=ppt/slides/slide6.xml><?xml version="1.0" encoding="utf-8"?>
+<file path=ppt/slides/slide5.xml><?xml version="1.0" encoding="utf-8"?>
 <p:sld xmlns:a="http://schemas.openxmlformats.org/drawingml/2006/main" xmlns:r="http://schemas.openxmlformats.org/officeDocument/2006/relationships" xmlns:p="http://schemas.openxmlformats.org/presentationml/2006/main">
   <p:cSld>
     <p:spTree>
@@ -6354,58 +6228,12 @@
           <a:chExt cx="0" cy="0"/>
         </a:xfrm>
       </p:grpSpPr>
-      <p:sp>
-        <p:nvSpPr>
-          <p:cNvPr id="6" name="직사각형 5">
-            <a:extLst>
-              <a:ext uri="{FF2B5EF4-FFF2-40B4-BE49-F238E27FC236}">
-                <a16:creationId xmlns:a16="http://schemas.microsoft.com/office/drawing/2014/main" id="{30F2C3B3-5621-4D20-B39C-7880B33E48F0}"/>
-              </a:ext>
-            </a:extLst>
-          </p:cNvPr>
-          <p:cNvSpPr/>
-          <p:nvPr/>
-        </p:nvSpPr>
-        <p:spPr>
-          <a:xfrm>
-            <a:off x="-48861" y="62821"/>
-            <a:ext cx="12240861" cy="6861490"/>
-          </a:xfrm>
-          <a:prstGeom prst="rect">
-            <a:avLst/>
-          </a:prstGeom>
-        </p:spPr>
-        <p:style>
-          <a:lnRef idx="2">
-            <a:schemeClr val="accent1">
-              <a:shade val="50000"/>
-            </a:schemeClr>
-          </a:lnRef>
-          <a:fillRef idx="1">
-            <a:schemeClr val="accent1"/>
-          </a:fillRef>
-          <a:effectRef idx="0">
-            <a:schemeClr val="accent1"/>
-          </a:effectRef>
-          <a:fontRef idx="minor">
-            <a:schemeClr val="lt1"/>
-          </a:fontRef>
-        </p:style>
-        <p:txBody>
-          <a:bodyPr rtlCol="0" anchor="ctr"/>
-          <a:lstStyle/>
-          <a:p>
-            <a:pPr algn="ctr"/>
-            <a:endParaRPr lang="ko-KR" altLang="en-US"/>
-          </a:p>
-        </p:txBody>
-      </p:sp>
       <p:pic>
         <p:nvPicPr>
-          <p:cNvPr id="5" name="그림 4">
-            <a:extLst>
-              <a:ext uri="{FF2B5EF4-FFF2-40B4-BE49-F238E27FC236}">
-                <a16:creationId xmlns:a16="http://schemas.microsoft.com/office/drawing/2014/main" id="{CF8B3BB1-24AC-4A25-A1B7-7D1CCE4D2519}"/>
+          <p:cNvPr id="2" name="그림 1">
+            <a:extLst>
+              <a:ext uri="{FF2B5EF4-FFF2-40B4-BE49-F238E27FC236}">
+                <a16:creationId xmlns:a16="http://schemas.microsoft.com/office/drawing/2014/main" id="{382940C9-3142-495A-8E15-69C200CD797A}"/>
               </a:ext>
             </a:extLst>
           </p:cNvPr>
@@ -6422,46 +6250,436 @@
         </p:blipFill>
         <p:spPr>
           <a:xfrm>
-            <a:off x="1655195" y="2072077"/>
-            <a:ext cx="2848373" cy="2238687"/>
+            <a:off x="1579855" y="144545"/>
+            <a:ext cx="8425287" cy="2344928"/>
           </a:xfrm>
           <a:prstGeom prst="rect">
             <a:avLst/>
           </a:prstGeom>
         </p:spPr>
       </p:pic>
-      <p:pic>
-        <p:nvPicPr>
-          <p:cNvPr id="4" name="내용 개체 틀 3">
-            <a:extLst>
-              <a:ext uri="{FF2B5EF4-FFF2-40B4-BE49-F238E27FC236}">
-                <a16:creationId xmlns:a16="http://schemas.microsoft.com/office/drawing/2014/main" id="{5CBDB3C4-6585-459A-9F79-81C9E6837FB7}"/>
-              </a:ext>
-            </a:extLst>
-          </p:cNvPr>
-          <p:cNvPicPr>
-            <a:picLocks noGrp="1" noChangeAspect="1"/>
-          </p:cNvPicPr>
-          <p:nvPr>
-            <p:ph idx="1"/>
-          </p:nvPr>
-        </p:nvPicPr>
-        <p:blipFill>
-          <a:blip r:embed="rId3"/>
-          <a:stretch>
-            <a:fillRect/>
-          </a:stretch>
-        </p:blipFill>
-        <p:spPr>
-          <a:xfrm>
-            <a:off x="4768344" y="1253331"/>
-            <a:ext cx="6131430" cy="4351338"/>
-          </a:xfrm>
-          <a:prstGeom prst="rect">
-            <a:avLst/>
-          </a:prstGeom>
-        </p:spPr>
-      </p:pic>
+      <p:graphicFrame>
+        <p:nvGraphicFramePr>
+          <p:cNvPr id="11" name="표 11">
+            <a:extLst>
+              <a:ext uri="{FF2B5EF4-FFF2-40B4-BE49-F238E27FC236}">
+                <a16:creationId xmlns:a16="http://schemas.microsoft.com/office/drawing/2014/main" id="{DEE9B7F8-F9C0-4801-808E-81660D9DF8A5}"/>
+              </a:ext>
+            </a:extLst>
+          </p:cNvPr>
+          <p:cNvGraphicFramePr>
+            <a:graphicFrameLocks noGrp="1"/>
+          </p:cNvGraphicFramePr>
+          <p:nvPr>
+            <p:extLst>
+              <p:ext uri="{D42A27DB-BD31-4B8C-83A1-F6EECF244321}">
+                <p14:modId xmlns:p14="http://schemas.microsoft.com/office/powerpoint/2010/main" val="1557041573"/>
+              </p:ext>
+            </p:extLst>
+          </p:nvPr>
+        </p:nvGraphicFramePr>
+        <p:xfrm>
+          <a:off x="1958258" y="2570589"/>
+          <a:ext cx="8128000" cy="4064048"/>
+        </p:xfrm>
+        <a:graphic>
+          <a:graphicData uri="http://schemas.openxmlformats.org/drawingml/2006/table">
+            <a:tbl>
+              <a:tblPr firstRow="1" bandRow="1">
+                <a:tableStyleId>{5C22544A-7EE6-4342-B048-85BDC9FD1C3A}</a:tableStyleId>
+              </a:tblPr>
+              <a:tblGrid>
+                <a:gridCol w="4064000">
+                  <a:extLst>
+                    <a:ext uri="{9D8B030D-6E8A-4147-A177-3AD203B41FA5}">
+                      <a16:colId xmlns:a16="http://schemas.microsoft.com/office/drawing/2014/main" val="441734662"/>
+                    </a:ext>
+                  </a:extLst>
+                </a:gridCol>
+                <a:gridCol w="4064000">
+                  <a:extLst>
+                    <a:ext uri="{9D8B030D-6E8A-4147-A177-3AD203B41FA5}">
+                      <a16:colId xmlns:a16="http://schemas.microsoft.com/office/drawing/2014/main" val="2607453800"/>
+                    </a:ext>
+                  </a:extLst>
+                </a:gridCol>
+              </a:tblGrid>
+              <a:tr h="416566">
+                <a:tc>
+                  <a:txBody>
+                    <a:bodyPr/>
+                    <a:lstStyle/>
+                    <a:p>
+                      <a:pPr latinLnBrk="1"/>
+                      <a:r>
+                        <a:rPr lang="ko-KR" altLang="en-US" dirty="0"/>
+                        <a:t>주</a:t>
+                      </a:r>
+                    </a:p>
+                  </a:txBody>
+                  <a:tcPr/>
+                </a:tc>
+                <a:tc>
+                  <a:txBody>
+                    <a:bodyPr/>
+                    <a:lstStyle/>
+                    <a:p>
+                      <a:pPr latinLnBrk="1"/>
+                      <a:r>
+                        <a:rPr lang="ko-KR" altLang="en-US" dirty="0" err="1"/>
+                        <a:t>커밋</a:t>
+                      </a:r>
+                      <a:r>
+                        <a:rPr lang="ko-KR" altLang="en-US" dirty="0"/>
+                        <a:t> 횟수</a:t>
+                      </a:r>
+                    </a:p>
+                  </a:txBody>
+                  <a:tcPr/>
+                </a:tc>
+                <a:extLst>
+                  <a:ext uri="{0D108BD9-81ED-4DB2-BD59-A6C34878D82A}">
+                    <a16:rowId xmlns:a16="http://schemas.microsoft.com/office/drawing/2014/main" val="2480785527"/>
+                  </a:ext>
+                </a:extLst>
+              </a:tr>
+              <a:tr h="416566">
+                <a:tc>
+                  <a:txBody>
+                    <a:bodyPr/>
+                    <a:lstStyle/>
+                    <a:p>
+                      <a:pPr latinLnBrk="1"/>
+                      <a:r>
+                        <a:rPr lang="en-US" altLang="ko-KR" dirty="0"/>
+                        <a:t>1</a:t>
+                      </a:r>
+                      <a:endParaRPr lang="ko-KR" altLang="en-US" dirty="0"/>
+                    </a:p>
+                  </a:txBody>
+                  <a:tcPr/>
+                </a:tc>
+                <a:tc>
+                  <a:txBody>
+                    <a:bodyPr/>
+                    <a:lstStyle/>
+                    <a:p>
+                      <a:pPr latinLnBrk="1"/>
+                      <a:r>
+                        <a:rPr lang="en-US" altLang="ko-KR" dirty="0"/>
+                        <a:t>3</a:t>
+                      </a:r>
+                      <a:endParaRPr lang="ko-KR" altLang="en-US" dirty="0"/>
+                    </a:p>
+                  </a:txBody>
+                  <a:tcPr/>
+                </a:tc>
+                <a:extLst>
+                  <a:ext uri="{0D108BD9-81ED-4DB2-BD59-A6C34878D82A}">
+                    <a16:rowId xmlns:a16="http://schemas.microsoft.com/office/drawing/2014/main" val="1825974042"/>
+                  </a:ext>
+                </a:extLst>
+              </a:tr>
+              <a:tr h="416566">
+                <a:tc>
+                  <a:txBody>
+                    <a:bodyPr/>
+                    <a:lstStyle/>
+                    <a:p>
+                      <a:pPr latinLnBrk="1"/>
+                      <a:r>
+                        <a:rPr lang="en-US" altLang="ko-KR" dirty="0"/>
+                        <a:t>2</a:t>
+                      </a:r>
+                      <a:endParaRPr lang="ko-KR" altLang="en-US" dirty="0"/>
+                    </a:p>
+                  </a:txBody>
+                  <a:tcPr/>
+                </a:tc>
+                <a:tc>
+                  <a:txBody>
+                    <a:bodyPr/>
+                    <a:lstStyle/>
+                    <a:p>
+                      <a:pPr latinLnBrk="1"/>
+                      <a:r>
+                        <a:rPr lang="en-US" altLang="ko-KR" dirty="0"/>
+                        <a:t>4</a:t>
+                      </a:r>
+                      <a:endParaRPr lang="ko-KR" altLang="en-US" dirty="0"/>
+                    </a:p>
+                  </a:txBody>
+                  <a:tcPr/>
+                </a:tc>
+                <a:extLst>
+                  <a:ext uri="{0D108BD9-81ED-4DB2-BD59-A6C34878D82A}">
+                    <a16:rowId xmlns:a16="http://schemas.microsoft.com/office/drawing/2014/main" val="3352179214"/>
+                  </a:ext>
+                </a:extLst>
+              </a:tr>
+              <a:tr h="416566">
+                <a:tc>
+                  <a:txBody>
+                    <a:bodyPr/>
+                    <a:lstStyle/>
+                    <a:p>
+                      <a:pPr latinLnBrk="1"/>
+                      <a:r>
+                        <a:rPr lang="en-US" altLang="ko-KR" dirty="0"/>
+                        <a:t>3</a:t>
+                      </a:r>
+                      <a:endParaRPr lang="ko-KR" altLang="en-US" dirty="0"/>
+                    </a:p>
+                  </a:txBody>
+                  <a:tcPr/>
+                </a:tc>
+                <a:tc>
+                  <a:txBody>
+                    <a:bodyPr/>
+                    <a:lstStyle/>
+                    <a:p>
+                      <a:pPr latinLnBrk="1"/>
+                      <a:r>
+                        <a:rPr lang="en-US" altLang="ko-KR" dirty="0"/>
+                        <a:t>5</a:t>
+                      </a:r>
+                      <a:endParaRPr lang="ko-KR" altLang="en-US" dirty="0"/>
+                    </a:p>
+                  </a:txBody>
+                  <a:tcPr/>
+                </a:tc>
+                <a:extLst>
+                  <a:ext uri="{0D108BD9-81ED-4DB2-BD59-A6C34878D82A}">
+                    <a16:rowId xmlns:a16="http://schemas.microsoft.com/office/drawing/2014/main" val="1038351065"/>
+                  </a:ext>
+                </a:extLst>
+              </a:tr>
+              <a:tr h="416566">
+                <a:tc>
+                  <a:txBody>
+                    <a:bodyPr/>
+                    <a:lstStyle/>
+                    <a:p>
+                      <a:pPr latinLnBrk="1"/>
+                      <a:r>
+                        <a:rPr lang="en-US" altLang="ko-KR" dirty="0"/>
+                        <a:t>4</a:t>
+                      </a:r>
+                      <a:endParaRPr lang="ko-KR" altLang="en-US" dirty="0"/>
+                    </a:p>
+                  </a:txBody>
+                  <a:tcPr/>
+                </a:tc>
+                <a:tc>
+                  <a:txBody>
+                    <a:bodyPr/>
+                    <a:lstStyle/>
+                    <a:p>
+                      <a:pPr latinLnBrk="1"/>
+                      <a:r>
+                        <a:rPr lang="en-US" altLang="ko-KR" dirty="0"/>
+                        <a:t>8</a:t>
+                      </a:r>
+                      <a:endParaRPr lang="ko-KR" altLang="en-US" dirty="0"/>
+                    </a:p>
+                  </a:txBody>
+                  <a:tcPr/>
+                </a:tc>
+                <a:extLst>
+                  <a:ext uri="{0D108BD9-81ED-4DB2-BD59-A6C34878D82A}">
+                    <a16:rowId xmlns:a16="http://schemas.microsoft.com/office/drawing/2014/main" val="2853473963"/>
+                  </a:ext>
+                </a:extLst>
+              </a:tr>
+              <a:tr h="416566">
+                <a:tc>
+                  <a:txBody>
+                    <a:bodyPr/>
+                    <a:lstStyle/>
+                    <a:p>
+                      <a:pPr latinLnBrk="1"/>
+                      <a:r>
+                        <a:rPr lang="en-US" altLang="ko-KR" dirty="0"/>
+                        <a:t>5</a:t>
+                      </a:r>
+                      <a:endParaRPr lang="ko-KR" altLang="en-US" dirty="0"/>
+                    </a:p>
+                  </a:txBody>
+                  <a:tcPr/>
+                </a:tc>
+                <a:tc>
+                  <a:txBody>
+                    <a:bodyPr/>
+                    <a:lstStyle/>
+                    <a:p>
+                      <a:pPr latinLnBrk="1"/>
+                      <a:r>
+                        <a:rPr lang="en-US" altLang="ko-KR" dirty="0"/>
+                        <a:t>20</a:t>
+                      </a:r>
+                      <a:endParaRPr lang="ko-KR" altLang="en-US" dirty="0"/>
+                    </a:p>
+                  </a:txBody>
+                  <a:tcPr/>
+                </a:tc>
+                <a:extLst>
+                  <a:ext uri="{0D108BD9-81ED-4DB2-BD59-A6C34878D82A}">
+                    <a16:rowId xmlns:a16="http://schemas.microsoft.com/office/drawing/2014/main" val="4308384"/>
+                  </a:ext>
+                </a:extLst>
+              </a:tr>
+              <a:tr h="416566">
+                <a:tc>
+                  <a:txBody>
+                    <a:bodyPr/>
+                    <a:lstStyle/>
+                    <a:p>
+                      <a:pPr latinLnBrk="1"/>
+                      <a:r>
+                        <a:rPr lang="en-US" altLang="ko-KR" dirty="0"/>
+                        <a:t>6</a:t>
+                      </a:r>
+                      <a:endParaRPr lang="ko-KR" altLang="en-US" dirty="0"/>
+                    </a:p>
+                  </a:txBody>
+                  <a:tcPr/>
+                </a:tc>
+                <a:tc>
+                  <a:txBody>
+                    <a:bodyPr/>
+                    <a:lstStyle/>
+                    <a:p>
+                      <a:pPr latinLnBrk="1"/>
+                      <a:r>
+                        <a:rPr lang="en-US" altLang="ko-KR" dirty="0"/>
+                        <a:t>11</a:t>
+                      </a:r>
+                      <a:endParaRPr lang="ko-KR" altLang="en-US" dirty="0"/>
+                    </a:p>
+                  </a:txBody>
+                  <a:tcPr/>
+                </a:tc>
+                <a:extLst>
+                  <a:ext uri="{0D108BD9-81ED-4DB2-BD59-A6C34878D82A}">
+                    <a16:rowId xmlns:a16="http://schemas.microsoft.com/office/drawing/2014/main" val="3449918845"/>
+                  </a:ext>
+                </a:extLst>
+              </a:tr>
+              <a:tr h="416566">
+                <a:tc>
+                  <a:txBody>
+                    <a:bodyPr/>
+                    <a:lstStyle/>
+                    <a:p>
+                      <a:pPr latinLnBrk="1"/>
+                      <a:r>
+                        <a:rPr lang="en-US" altLang="ko-KR" dirty="0"/>
+                        <a:t>7</a:t>
+                      </a:r>
+                      <a:endParaRPr lang="ko-KR" altLang="en-US" dirty="0"/>
+                    </a:p>
+                  </a:txBody>
+                  <a:tcPr/>
+                </a:tc>
+                <a:tc>
+                  <a:txBody>
+                    <a:bodyPr/>
+                    <a:lstStyle/>
+                    <a:p>
+                      <a:pPr latinLnBrk="1"/>
+                      <a:r>
+                        <a:rPr lang="en-US" altLang="ko-KR" dirty="0"/>
+                        <a:t>5</a:t>
+                      </a:r>
+                      <a:endParaRPr lang="ko-KR" altLang="en-US" dirty="0"/>
+                    </a:p>
+                  </a:txBody>
+                  <a:tcPr/>
+                </a:tc>
+                <a:extLst>
+                  <a:ext uri="{0D108BD9-81ED-4DB2-BD59-A6C34878D82A}">
+                    <a16:rowId xmlns:a16="http://schemas.microsoft.com/office/drawing/2014/main" val="165414426"/>
+                  </a:ext>
+                </a:extLst>
+              </a:tr>
+              <a:tr h="208283">
+                <a:tc>
+                  <a:txBody>
+                    <a:bodyPr/>
+                    <a:lstStyle/>
+                    <a:p>
+                      <a:pPr latinLnBrk="1"/>
+                      <a:r>
+                        <a:rPr lang="en-US" altLang="ko-KR" dirty="0"/>
+                        <a:t>8</a:t>
+                      </a:r>
+                      <a:endParaRPr lang="ko-KR" altLang="en-US" dirty="0"/>
+                    </a:p>
+                  </a:txBody>
+                  <a:tcPr/>
+                </a:tc>
+                <a:tc>
+                  <a:txBody>
+                    <a:bodyPr/>
+                    <a:lstStyle/>
+                    <a:p>
+                      <a:pPr latinLnBrk="1"/>
+                      <a:r>
+                        <a:rPr lang="en-US" altLang="ko-KR" dirty="0"/>
+                        <a:t>9</a:t>
+                      </a:r>
+                      <a:endParaRPr lang="ko-KR" altLang="en-US" dirty="0"/>
+                    </a:p>
+                  </a:txBody>
+                  <a:tcPr/>
+                </a:tc>
+                <a:extLst>
+                  <a:ext uri="{0D108BD9-81ED-4DB2-BD59-A6C34878D82A}">
+                    <a16:rowId xmlns:a16="http://schemas.microsoft.com/office/drawing/2014/main" val="2092065015"/>
+                  </a:ext>
+                </a:extLst>
+              </a:tr>
+              <a:tr h="208283">
+                <a:tc>
+                  <a:txBody>
+                    <a:bodyPr/>
+                    <a:lstStyle/>
+                    <a:p>
+                      <a:pPr latinLnBrk="1"/>
+                      <a:r>
+                        <a:rPr lang="en-US" altLang="ko-KR" dirty="0"/>
+                        <a:t>9</a:t>
+                      </a:r>
+                      <a:endParaRPr lang="ko-KR" altLang="en-US" dirty="0"/>
+                    </a:p>
+                  </a:txBody>
+                  <a:tcPr/>
+                </a:tc>
+                <a:tc>
+                  <a:txBody>
+                    <a:bodyPr/>
+                    <a:lstStyle/>
+                    <a:p>
+                      <a:pPr latinLnBrk="1"/>
+                      <a:r>
+                        <a:rPr lang="en-US" altLang="ko-KR" dirty="0"/>
+                        <a:t>16</a:t>
+                      </a:r>
+                      <a:endParaRPr lang="ko-KR" altLang="en-US" dirty="0"/>
+                    </a:p>
+                  </a:txBody>
+                  <a:tcPr/>
+                </a:tc>
+                <a:extLst>
+                  <a:ext uri="{0D108BD9-81ED-4DB2-BD59-A6C34878D82A}">
+                    <a16:rowId xmlns:a16="http://schemas.microsoft.com/office/drawing/2014/main" val="1460806917"/>
+                  </a:ext>
+                </a:extLst>
+              </a:tr>
+            </a:tbl>
+          </a:graphicData>
+        </a:graphic>
+      </p:graphicFrame>
     </p:spTree>
     <p:extLst>
       <p:ext uri="{BB962C8B-B14F-4D97-AF65-F5344CB8AC3E}">
@@ -6475,7 +6693,7 @@
 </p:sld>
 </file>
 
-<file path=ppt/slides/slide7.xml><?xml version="1.0" encoding="utf-8"?>
+<file path=ppt/slides/slide6.xml><?xml version="1.0" encoding="utf-8"?>
 <p:sld xmlns:a="http://schemas.openxmlformats.org/drawingml/2006/main" xmlns:r="http://schemas.openxmlformats.org/officeDocument/2006/relationships" xmlns:p="http://schemas.openxmlformats.org/presentationml/2006/main">
   <p:cSld>
     <p:spTree>

--- a/ppt/3차.pptx
+++ b/ppt/3차.pptx
@@ -5,15 +5,14 @@
     <p:sldMasterId id="2147483648" r:id="rId1"/>
   </p:sldMasterIdLst>
   <p:notesMasterIdLst>
-    <p:notesMasterId r:id="rId8"/>
+    <p:notesMasterId r:id="rId7"/>
   </p:notesMasterIdLst>
   <p:sldIdLst>
     <p:sldId id="256" r:id="rId2"/>
     <p:sldId id="257" r:id="rId3"/>
     <p:sldId id="264" r:id="rId4"/>
-    <p:sldId id="262" r:id="rId5"/>
-    <p:sldId id="265" r:id="rId6"/>
-    <p:sldId id="263" r:id="rId7"/>
+    <p:sldId id="265" r:id="rId5"/>
+    <p:sldId id="263" r:id="rId6"/>
   </p:sldIdLst>
   <p:sldSz cx="12192000" cy="6858000"/>
   <p:notesSz cx="6858000" cy="9144000"/>
@@ -498,90 +497,6 @@
     </a:lvl9pPr>
   </p:notesStyle>
 </p:notesMaster>
-</file>
-
-<file path=ppt/notesSlides/notesSlide1.xml><?xml version="1.0" encoding="utf-8"?>
-<p:notes xmlns:a="http://schemas.openxmlformats.org/drawingml/2006/main" xmlns:r="http://schemas.openxmlformats.org/officeDocument/2006/relationships" xmlns:p="http://schemas.openxmlformats.org/presentationml/2006/main">
-  <p:cSld>
-    <p:spTree>
-      <p:nvGrpSpPr>
-        <p:cNvPr id="1" name=""/>
-        <p:cNvGrpSpPr/>
-        <p:nvPr/>
-      </p:nvGrpSpPr>
-      <p:grpSpPr>
-        <a:xfrm>
-          <a:off x="0" y="0"/>
-          <a:ext cx="0" cy="0"/>
-          <a:chOff x="0" y="0"/>
-          <a:chExt cx="0" cy="0"/>
-        </a:xfrm>
-      </p:grpSpPr>
-      <p:sp>
-        <p:nvSpPr>
-          <p:cNvPr id="2" name="슬라이드 이미지 개체 틀 1"/>
-          <p:cNvSpPr>
-            <a:spLocks noGrp="1" noRot="1" noChangeAspect="1"/>
-          </p:cNvSpPr>
-          <p:nvPr>
-            <p:ph type="sldImg"/>
-          </p:nvPr>
-        </p:nvSpPr>
-        <p:spPr/>
-      </p:sp>
-      <p:sp>
-        <p:nvSpPr>
-          <p:cNvPr id="3" name="슬라이드 노트 개체 틀 2"/>
-          <p:cNvSpPr>
-            <a:spLocks noGrp="1"/>
-          </p:cNvSpPr>
-          <p:nvPr>
-            <p:ph type="body" idx="1"/>
-          </p:nvPr>
-        </p:nvSpPr>
-        <p:spPr/>
-        <p:txBody>
-          <a:bodyPr/>
-          <a:lstStyle/>
-          <a:p>
-            <a:endParaRPr lang="ko-KR" altLang="en-US" dirty="0"/>
-          </a:p>
-        </p:txBody>
-      </p:sp>
-      <p:sp>
-        <p:nvSpPr>
-          <p:cNvPr id="4" name="슬라이드 번호 개체 틀 3"/>
-          <p:cNvSpPr>
-            <a:spLocks noGrp="1"/>
-          </p:cNvSpPr>
-          <p:nvPr>
-            <p:ph type="sldNum" sz="quarter" idx="5"/>
-          </p:nvPr>
-        </p:nvSpPr>
-        <p:spPr/>
-        <p:txBody>
-          <a:bodyPr/>
-          <a:lstStyle/>
-          <a:p>
-            <a:fld id="{5249A694-36F2-4109-8810-A58E17141792}" type="slidenum">
-              <a:rPr lang="ko-KR" altLang="en-US" smtClean="0"/>
-              <a:t>4</a:t>
-            </a:fld>
-            <a:endParaRPr lang="ko-KR" altLang="en-US"/>
-          </a:p>
-        </p:txBody>
-      </p:sp>
-    </p:spTree>
-    <p:extLst>
-      <p:ext uri="{BB962C8B-B14F-4D97-AF65-F5344CB8AC3E}">
-        <p14:creationId xmlns:p14="http://schemas.microsoft.com/office/powerpoint/2010/main" val="717164057"/>
-      </p:ext>
-    </p:extLst>
-  </p:cSld>
-  <p:clrMapOvr>
-    <a:masterClrMapping/>
-  </p:clrMapOvr>
-</p:notes>
 </file>
 
 <file path=ppt/slideLayouts/slideLayout1.xml><?xml version="1.0" encoding="utf-8"?>
@@ -3832,7 +3747,7 @@
             </a:br>
             <a:r>
               <a:rPr lang="en-US" altLang="ko-KR" dirty="0"/>
-              <a:t>2</a:t>
+              <a:t>3</a:t>
             </a:r>
             <a:r>
               <a:rPr lang="ko-KR" altLang="en-US" dirty="0"/>
@@ -4208,7 +4123,7 @@
             <p:ph idx="1"/>
             <p:extLst>
               <p:ext uri="{D42A27DB-BD31-4B8C-83A1-F6EECF244321}">
-                <p14:modId xmlns:p14="http://schemas.microsoft.com/office/powerpoint/2010/main" val="3696036328"/>
+                <p14:modId xmlns:p14="http://schemas.microsoft.com/office/powerpoint/2010/main" val="2546546272"/>
               </p:ext>
             </p:extLst>
           </p:nvPr>
@@ -4491,7 +4406,7 @@
                       <a:pPr latinLnBrk="1"/>
                       <a:r>
                         <a:rPr lang="en-US" altLang="ko-KR" sz="1400" dirty="0"/>
-                        <a:t>75 %</a:t>
+                        <a:t>70 %</a:t>
                       </a:r>
                       <a:endParaRPr lang="ko-KR" altLang="en-US" sz="1400" dirty="0"/>
                     </a:p>
@@ -4763,11 +4678,27 @@
                       </a:r>
                       <a:r>
                         <a:rPr lang="en-US" altLang="ko-KR" sz="1400" dirty="0"/>
-                        <a:t>, </a:t>
+                        <a:t> 1 </a:t>
                       </a:r>
                       <a:r>
                         <a:rPr lang="ko-KR" altLang="en-US" sz="1400" dirty="0"/>
-                        <a:t>원거리 적 구현</a:t>
+                        <a:t>종</a:t>
+                      </a:r>
+                      <a:endParaRPr lang="en-US" altLang="ko-KR" sz="1400" dirty="0"/>
+                    </a:p>
+                    <a:p>
+                      <a:pPr latinLnBrk="1"/>
+                      <a:r>
+                        <a:rPr lang="ko-KR" altLang="en-US" sz="1400" dirty="0"/>
+                        <a:t>원거리 적 </a:t>
+                      </a:r>
+                      <a:r>
+                        <a:rPr lang="en-US" altLang="ko-KR" sz="1400" dirty="0"/>
+                        <a:t>2</a:t>
+                      </a:r>
+                      <a:r>
+                        <a:rPr lang="ko-KR" altLang="en-US" sz="1400" dirty="0"/>
+                        <a:t> 종</a:t>
                       </a:r>
                       <a:endParaRPr lang="en-US" altLang="ko-KR" sz="1400" dirty="0"/>
                     </a:p>
@@ -4788,17 +4719,10 @@
                     <a:p>
                       <a:pPr latinLnBrk="1"/>
                       <a:r>
-                        <a:rPr lang="ko-KR" altLang="en-US" sz="1400" dirty="0"/>
-                        <a:t>적 구현</a:t>
-                      </a:r>
-                      <a:endParaRPr lang="en-US" altLang="ko-KR" sz="1400" dirty="0"/>
-                    </a:p>
-                    <a:p>
-                      <a:pPr latinLnBrk="1"/>
-                      <a:r>
-                        <a:rPr lang="ko-KR" altLang="en-US" sz="1400" dirty="0"/>
-                        <a:t>보스 구현</a:t>
-                      </a:r>
+                        <a:rPr lang="en-US" altLang="ko-KR" sz="1400" dirty="0"/>
+                        <a:t>100 %</a:t>
+                      </a:r>
+                      <a:endParaRPr lang="ko-KR" altLang="en-US" sz="1400" dirty="0"/>
                     </a:p>
                   </a:txBody>
                   <a:tcPr/>
@@ -4875,6 +4799,10 @@
                     <a:lstStyle/>
                     <a:p>
                       <a:pPr latinLnBrk="1"/>
+                      <a:r>
+                        <a:rPr lang="en-US" altLang="ko-KR" sz="1400" dirty="0"/>
+                        <a:t>100 %</a:t>
+                      </a:r>
                       <a:endParaRPr lang="ko-KR" altLang="en-US" sz="1400" dirty="0"/>
                     </a:p>
                   </a:txBody>
@@ -4919,7 +4847,7 @@
                   </a:txBody>
                   <a:tcPr/>
                 </a:tc>
-                <a:tc gridSpan="2">
+                <a:tc>
                   <a:txBody>
                     <a:bodyPr/>
                     <a:lstStyle/>
@@ -4930,13 +4858,17 @@
                   </a:txBody>
                   <a:tcPr/>
                 </a:tc>
-                <a:tc hMerge="1">
+                <a:tc>
                   <a:txBody>
                     <a:bodyPr/>
                     <a:lstStyle/>
                     <a:p>
                       <a:pPr latinLnBrk="1"/>
-                      <a:endParaRPr lang="ko-KR" altLang="en-US"/>
+                      <a:r>
+                        <a:rPr lang="en-US" altLang="ko-KR" dirty="0"/>
+                        <a:t>100 %</a:t>
+                      </a:r>
+                      <a:endParaRPr lang="ko-KR" altLang="en-US" dirty="0"/>
                     </a:p>
                   </a:txBody>
                   <a:tcPr/>
@@ -5131,1103 +5063,6 @@
           <a:chExt cx="0" cy="0"/>
         </a:xfrm>
       </p:grpSpPr>
-      <p:graphicFrame>
-        <p:nvGraphicFramePr>
-          <p:cNvPr id="4" name="표 4">
-            <a:extLst>
-              <a:ext uri="{FF2B5EF4-FFF2-40B4-BE49-F238E27FC236}">
-                <a16:creationId xmlns:a16="http://schemas.microsoft.com/office/drawing/2014/main" id="{A7AC46B0-A3D6-4285-A490-9DD51135ED36}"/>
-              </a:ext>
-            </a:extLst>
-          </p:cNvPr>
-          <p:cNvGraphicFramePr>
-            <a:graphicFrameLocks noGrp="1"/>
-          </p:cNvGraphicFramePr>
-          <p:nvPr>
-            <p:ph idx="1"/>
-            <p:extLst>
-              <p:ext uri="{D42A27DB-BD31-4B8C-83A1-F6EECF244321}">
-                <p14:modId xmlns:p14="http://schemas.microsoft.com/office/powerpoint/2010/main" val="1923374179"/>
-              </p:ext>
-            </p:extLst>
-          </p:nvPr>
-        </p:nvGraphicFramePr>
-        <p:xfrm>
-          <a:off x="520072" y="941560"/>
-          <a:ext cx="10805813" cy="5412348"/>
-        </p:xfrm>
-        <a:graphic>
-          <a:graphicData uri="http://schemas.openxmlformats.org/drawingml/2006/table">
-            <a:tbl>
-              <a:tblPr firstRow="1" bandRow="1">
-                <a:tableStyleId>{5C22544A-7EE6-4342-B048-85BDC9FD1C3A}</a:tableStyleId>
-              </a:tblPr>
-              <a:tblGrid>
-                <a:gridCol w="1046178">
-                  <a:extLst>
-                    <a:ext uri="{9D8B030D-6E8A-4147-A177-3AD203B41FA5}">
-                      <a16:colId xmlns:a16="http://schemas.microsoft.com/office/drawing/2014/main" val="1607015328"/>
-                    </a:ext>
-                  </a:extLst>
-                </a:gridCol>
-                <a:gridCol w="2158043">
-                  <a:extLst>
-                    <a:ext uri="{9D8B030D-6E8A-4147-A177-3AD203B41FA5}">
-                      <a16:colId xmlns:a16="http://schemas.microsoft.com/office/drawing/2014/main" val="1959779592"/>
-                    </a:ext>
-                  </a:extLst>
-                </a:gridCol>
-                <a:gridCol w="3800796">
-                  <a:extLst>
-                    <a:ext uri="{9D8B030D-6E8A-4147-A177-3AD203B41FA5}">
-                      <a16:colId xmlns:a16="http://schemas.microsoft.com/office/drawing/2014/main" val="1297743605"/>
-                    </a:ext>
-                  </a:extLst>
-                </a:gridCol>
-                <a:gridCol w="3800796">
-                  <a:extLst>
-                    <a:ext uri="{9D8B030D-6E8A-4147-A177-3AD203B41FA5}">
-                      <a16:colId xmlns:a16="http://schemas.microsoft.com/office/drawing/2014/main" val="3938713853"/>
-                    </a:ext>
-                  </a:extLst>
-                </a:gridCol>
-              </a:tblGrid>
-              <a:tr h="520092">
-                <a:tc>
-                  <a:txBody>
-                    <a:bodyPr/>
-                    <a:lstStyle/>
-                    <a:p>
-                      <a:pPr algn="ctr" latinLnBrk="1"/>
-                      <a:r>
-                        <a:rPr lang="en-US" altLang="ko-KR" sz="1400" dirty="0"/>
-                        <a:t>1</a:t>
-                      </a:r>
-                      <a:r>
-                        <a:rPr lang="ko-KR" altLang="en-US" sz="1400" dirty="0"/>
-                        <a:t>주차</a:t>
-                      </a:r>
-                    </a:p>
-                  </a:txBody>
-                  <a:tcPr/>
-                </a:tc>
-                <a:tc>
-                  <a:txBody>
-                    <a:bodyPr/>
-                    <a:lstStyle/>
-                    <a:p>
-                      <a:pPr algn="ctr" latinLnBrk="1"/>
-                      <a:r>
-                        <a:rPr lang="ko-KR" altLang="en-US" sz="1400" dirty="0"/>
-                        <a:t>리소스 수집</a:t>
-                      </a:r>
-                      <a:endParaRPr lang="en-US" altLang="ko-KR" sz="1400" dirty="0"/>
-                    </a:p>
-                    <a:p>
-                      <a:pPr algn="ctr" latinLnBrk="1"/>
-                      <a:endParaRPr lang="ko-KR" altLang="en-US" sz="1400" dirty="0"/>
-                    </a:p>
-                  </a:txBody>
-                  <a:tcPr/>
-                </a:tc>
-                <a:tc>
-                  <a:txBody>
-                    <a:bodyPr/>
-                    <a:lstStyle/>
-                    <a:p>
-                      <a:pPr marL="0" indent="0" algn="l" latinLnBrk="1">
-                        <a:buNone/>
-                      </a:pPr>
-                      <a:r>
-                        <a:rPr lang="ko-KR" altLang="en-US" sz="1400" dirty="0"/>
-                        <a:t>리소스 수집 포토샵 처리 등 </a:t>
-                      </a:r>
-                      <a:endParaRPr lang="en-US" altLang="ko-KR" sz="1400" dirty="0"/>
-                    </a:p>
-                    <a:p>
-                      <a:pPr marL="342900" indent="-342900" algn="l" latinLnBrk="1">
-                        <a:buAutoNum type="arabicPeriod"/>
-                      </a:pPr>
-                      <a:endParaRPr lang="ko-KR" altLang="en-US" sz="1400" dirty="0"/>
-                    </a:p>
-                  </a:txBody>
-                  <a:tcPr/>
-                </a:tc>
-                <a:tc>
-                  <a:txBody>
-                    <a:bodyPr/>
-                    <a:lstStyle/>
-                    <a:p>
-                      <a:pPr marL="0" indent="0" algn="l" latinLnBrk="1">
-                        <a:buNone/>
-                      </a:pPr>
-                      <a:r>
-                        <a:rPr lang="en-US" altLang="ko-KR" sz="1400" dirty="0"/>
-                        <a:t>100%</a:t>
-                      </a:r>
-                    </a:p>
-                    <a:p>
-                      <a:pPr marL="0" indent="0" algn="l" latinLnBrk="1">
-                        <a:buNone/>
-                      </a:pPr>
-                      <a:endParaRPr lang="ko-KR" altLang="en-US" sz="1400" dirty="0"/>
-                    </a:p>
-                  </a:txBody>
-                  <a:tcPr/>
-                </a:tc>
-                <a:extLst>
-                  <a:ext uri="{0D108BD9-81ED-4DB2-BD59-A6C34878D82A}">
-                    <a16:rowId xmlns:a16="http://schemas.microsoft.com/office/drawing/2014/main" val="1020126512"/>
-                  </a:ext>
-                </a:extLst>
-              </a:tr>
-              <a:tr h="520092">
-                <a:tc>
-                  <a:txBody>
-                    <a:bodyPr/>
-                    <a:lstStyle/>
-                    <a:p>
-                      <a:pPr marL="0" marR="0" lvl="0" indent="0" algn="ctr" defTabSz="914400" rtl="0" eaLnBrk="1" fontAlgn="auto" latinLnBrk="1" hangingPunct="1">
-                        <a:lnSpc>
-                          <a:spcPct val="100000"/>
-                        </a:lnSpc>
-                        <a:spcBef>
-                          <a:spcPts val="0"/>
-                        </a:spcBef>
-                        <a:spcAft>
-                          <a:spcPts val="0"/>
-                        </a:spcAft>
-                        <a:buClrTx/>
-                        <a:buSzTx/>
-                        <a:buFontTx/>
-                        <a:buNone/>
-                        <a:tabLst/>
-                        <a:defRPr/>
-                      </a:pPr>
-                      <a:r>
-                        <a:rPr lang="en-US" altLang="ko-KR" sz="1400" dirty="0"/>
-                        <a:t>2</a:t>
-                      </a:r>
-                      <a:r>
-                        <a:rPr lang="ko-KR" altLang="en-US" sz="1400" dirty="0"/>
-                        <a:t>주차</a:t>
-                      </a:r>
-                    </a:p>
-                  </a:txBody>
-                  <a:tcPr/>
-                </a:tc>
-                <a:tc>
-                  <a:txBody>
-                    <a:bodyPr/>
-                    <a:lstStyle/>
-                    <a:p>
-                      <a:pPr algn="ctr" latinLnBrk="1"/>
-                      <a:r>
-                        <a:rPr lang="ko-KR" altLang="en-US" sz="1400" dirty="0"/>
-                        <a:t>플레이어</a:t>
-                      </a:r>
-                    </a:p>
-                  </a:txBody>
-                  <a:tcPr/>
-                </a:tc>
-                <a:tc>
-                  <a:txBody>
-                    <a:bodyPr/>
-                    <a:lstStyle/>
-                    <a:p>
-                      <a:pPr algn="l" latinLnBrk="1"/>
-                      <a:r>
-                        <a:rPr lang="ko-KR" altLang="en-US" sz="1400" dirty="0"/>
-                        <a:t>플레이어 캐릭터 기본 이동 및 공격 </a:t>
-                      </a:r>
-                    </a:p>
-                  </a:txBody>
-                  <a:tcPr/>
-                </a:tc>
-                <a:tc>
-                  <a:txBody>
-                    <a:bodyPr/>
-                    <a:lstStyle/>
-                    <a:p>
-                      <a:pPr algn="l" latinLnBrk="1"/>
-                      <a:r>
-                        <a:rPr lang="en-US" altLang="ko-KR" sz="1400" dirty="0"/>
-                        <a:t>100%</a:t>
-                      </a:r>
-                      <a:endParaRPr lang="ko-KR" altLang="en-US" sz="1400" dirty="0"/>
-                    </a:p>
-                  </a:txBody>
-                  <a:tcPr/>
-                </a:tc>
-                <a:extLst>
-                  <a:ext uri="{0D108BD9-81ED-4DB2-BD59-A6C34878D82A}">
-                    <a16:rowId xmlns:a16="http://schemas.microsoft.com/office/drawing/2014/main" val="2868614078"/>
-                  </a:ext>
-                </a:extLst>
-              </a:tr>
-              <a:tr h="520092">
-                <a:tc>
-                  <a:txBody>
-                    <a:bodyPr/>
-                    <a:lstStyle/>
-                    <a:p>
-                      <a:pPr algn="ctr" latinLnBrk="1"/>
-                      <a:r>
-                        <a:rPr lang="en-US" altLang="ko-KR" sz="1400" dirty="0"/>
-                        <a:t>3</a:t>
-                      </a:r>
-                      <a:r>
-                        <a:rPr lang="ko-KR" altLang="en-US" sz="1400" dirty="0"/>
-                        <a:t>주차</a:t>
-                      </a:r>
-                    </a:p>
-                  </a:txBody>
-                  <a:tcPr/>
-                </a:tc>
-                <a:tc>
-                  <a:txBody>
-                    <a:bodyPr/>
-                    <a:lstStyle/>
-                    <a:p>
-                      <a:pPr algn="ctr" latinLnBrk="1"/>
-                      <a:r>
-                        <a:rPr lang="ko-KR" altLang="en-US" sz="1400" dirty="0"/>
-                        <a:t>키보드 및 마우스 동작</a:t>
-                      </a:r>
-                    </a:p>
-                  </a:txBody>
-                  <a:tcPr/>
-                </a:tc>
-                <a:tc>
-                  <a:txBody>
-                    <a:bodyPr/>
-                    <a:lstStyle/>
-                    <a:p>
-                      <a:pPr marL="0" indent="0" algn="l" latinLnBrk="1">
-                        <a:buNone/>
-                      </a:pPr>
-                      <a:r>
-                        <a:rPr lang="ko-KR" altLang="en-US" sz="1400" dirty="0"/>
-                        <a:t>마우스 적 타겟팅</a:t>
-                      </a:r>
-                      <a:r>
-                        <a:rPr lang="en-US" altLang="ko-KR" sz="1400" dirty="0"/>
-                        <a:t>.</a:t>
-                      </a:r>
-                    </a:p>
-                    <a:p>
-                      <a:pPr marL="0" indent="0" algn="l" latinLnBrk="1">
-                        <a:buNone/>
-                      </a:pPr>
-                      <a:r>
-                        <a:rPr lang="ko-KR" altLang="en-US" sz="1400" dirty="0"/>
-                        <a:t>플레이어 대시</a:t>
-                      </a:r>
-                      <a:r>
-                        <a:rPr lang="en-US" altLang="ko-KR" sz="1400" dirty="0"/>
-                        <a:t>,</a:t>
-                      </a:r>
-                      <a:r>
-                        <a:rPr lang="ko-KR" altLang="en-US" sz="1400" dirty="0"/>
-                        <a:t> 이중 점프 등</a:t>
-                      </a:r>
-                      <a:endParaRPr lang="en-US" altLang="ko-KR" sz="1400" dirty="0"/>
-                    </a:p>
-                  </a:txBody>
-                  <a:tcPr/>
-                </a:tc>
-                <a:tc>
-                  <a:txBody>
-                    <a:bodyPr/>
-                    <a:lstStyle/>
-                    <a:p>
-                      <a:pPr marL="0" indent="0" algn="l" latinLnBrk="1">
-                        <a:buNone/>
-                      </a:pPr>
-                      <a:r>
-                        <a:rPr lang="en-US" altLang="ko-KR" sz="1400" dirty="0"/>
-                        <a:t>100% </a:t>
-                      </a:r>
-                    </a:p>
-                  </a:txBody>
-                  <a:tcPr/>
-                </a:tc>
-                <a:extLst>
-                  <a:ext uri="{0D108BD9-81ED-4DB2-BD59-A6C34878D82A}">
-                    <a16:rowId xmlns:a16="http://schemas.microsoft.com/office/drawing/2014/main" val="311267099"/>
-                  </a:ext>
-                </a:extLst>
-              </a:tr>
-              <a:tr h="520092">
-                <a:tc>
-                  <a:txBody>
-                    <a:bodyPr/>
-                    <a:lstStyle/>
-                    <a:p>
-                      <a:pPr algn="ctr" latinLnBrk="1"/>
-                      <a:r>
-                        <a:rPr lang="en-US" altLang="ko-KR" sz="1400" dirty="0"/>
-                        <a:t>4</a:t>
-                      </a:r>
-                      <a:r>
-                        <a:rPr lang="ko-KR" altLang="en-US" sz="1400" dirty="0"/>
-                        <a:t>주차</a:t>
-                      </a:r>
-                    </a:p>
-                  </a:txBody>
-                  <a:tcPr/>
-                </a:tc>
-                <a:tc>
-                  <a:txBody>
-                    <a:bodyPr/>
-                    <a:lstStyle/>
-                    <a:p>
-                      <a:pPr algn="ctr" latinLnBrk="1"/>
-                      <a:r>
-                        <a:rPr lang="ko-KR" altLang="en-US" sz="1400" dirty="0"/>
-                        <a:t>몬스터 </a:t>
-                      </a:r>
-                    </a:p>
-                  </a:txBody>
-                  <a:tcPr/>
-                </a:tc>
-                <a:tc>
-                  <a:txBody>
-                    <a:bodyPr/>
-                    <a:lstStyle/>
-                    <a:p>
-                      <a:pPr marL="0" indent="0" algn="l" latinLnBrk="1">
-                        <a:buNone/>
-                      </a:pPr>
-                      <a:r>
-                        <a:rPr lang="ko-KR" altLang="en-US" sz="1400" dirty="0"/>
-                        <a:t>몬스터 기본 이동 원거리 및 근거리 공격 등</a:t>
-                      </a:r>
-                    </a:p>
-                  </a:txBody>
-                  <a:tcPr/>
-                </a:tc>
-                <a:tc>
-                  <a:txBody>
-                    <a:bodyPr/>
-                    <a:lstStyle/>
-                    <a:p>
-                      <a:pPr marL="0" indent="0" algn="l" latinLnBrk="1">
-                        <a:buNone/>
-                      </a:pPr>
-                      <a:r>
-                        <a:rPr lang="en-US" altLang="ko-KR" sz="1400" dirty="0"/>
-                        <a:t>100%</a:t>
-                      </a:r>
-                      <a:endParaRPr lang="ko-KR" altLang="en-US" sz="1400" dirty="0"/>
-                    </a:p>
-                  </a:txBody>
-                  <a:tcPr/>
-                </a:tc>
-                <a:extLst>
-                  <a:ext uri="{0D108BD9-81ED-4DB2-BD59-A6C34878D82A}">
-                    <a16:rowId xmlns:a16="http://schemas.microsoft.com/office/drawing/2014/main" val="3073364019"/>
-                  </a:ext>
-                </a:extLst>
-              </a:tr>
-              <a:tr h="520092">
-                <a:tc>
-                  <a:txBody>
-                    <a:bodyPr/>
-                    <a:lstStyle/>
-                    <a:p>
-                      <a:pPr algn="ctr" latinLnBrk="1"/>
-                      <a:r>
-                        <a:rPr lang="en-US" altLang="ko-KR" sz="1400" dirty="0"/>
-                        <a:t>5</a:t>
-                      </a:r>
-                      <a:r>
-                        <a:rPr lang="ko-KR" altLang="en-US" sz="1400" dirty="0"/>
-                        <a:t>주차</a:t>
-                      </a:r>
-                    </a:p>
-                  </a:txBody>
-                  <a:tcPr/>
-                </a:tc>
-                <a:tc>
-                  <a:txBody>
-                    <a:bodyPr/>
-                    <a:lstStyle/>
-                    <a:p>
-                      <a:pPr algn="ctr" latinLnBrk="1"/>
-                      <a:r>
-                        <a:rPr lang="ko-KR" altLang="en-US" sz="1400" dirty="0"/>
-                        <a:t>중간 점검</a:t>
-                      </a:r>
-                    </a:p>
-                  </a:txBody>
-                  <a:tcPr/>
-                </a:tc>
-                <a:tc>
-                  <a:txBody>
-                    <a:bodyPr/>
-                    <a:lstStyle/>
-                    <a:p>
-                      <a:pPr algn="l" latinLnBrk="1"/>
-                      <a:r>
-                        <a:rPr lang="ko-KR" altLang="en-US" sz="1400" dirty="0"/>
-                        <a:t>중간 점검 </a:t>
-                      </a:r>
-                      <a:r>
-                        <a:rPr lang="en-US" altLang="ko-KR" sz="1400" dirty="0"/>
-                        <a:t>/ 1 ~ 4</a:t>
-                      </a:r>
-                      <a:r>
-                        <a:rPr lang="ko-KR" altLang="en-US" sz="1400" dirty="0"/>
-                        <a:t>주차 진행 동안 부족한점 보완</a:t>
-                      </a:r>
-                      <a:r>
-                        <a:rPr lang="en-US" altLang="ko-KR" sz="1400" dirty="0"/>
-                        <a:t>.</a:t>
-                      </a:r>
-                      <a:endParaRPr lang="ko-KR" altLang="en-US" sz="1400" dirty="0"/>
-                    </a:p>
-                  </a:txBody>
-                  <a:tcPr/>
-                </a:tc>
-                <a:tc>
-                  <a:txBody>
-                    <a:bodyPr/>
-                    <a:lstStyle/>
-                    <a:p>
-                      <a:pPr algn="l" latinLnBrk="1"/>
-                      <a:r>
-                        <a:rPr lang="en-US" altLang="ko-KR" sz="1400" dirty="0"/>
-                        <a:t>100%</a:t>
-                      </a:r>
-                      <a:endParaRPr lang="ko-KR" altLang="en-US" sz="1400" dirty="0"/>
-                    </a:p>
-                  </a:txBody>
-                  <a:tcPr/>
-                </a:tc>
-                <a:extLst>
-                  <a:ext uri="{0D108BD9-81ED-4DB2-BD59-A6C34878D82A}">
-                    <a16:rowId xmlns:a16="http://schemas.microsoft.com/office/drawing/2014/main" val="448534938"/>
-                  </a:ext>
-                </a:extLst>
-              </a:tr>
-              <a:tr h="520092">
-                <a:tc>
-                  <a:txBody>
-                    <a:bodyPr/>
-                    <a:lstStyle/>
-                    <a:p>
-                      <a:pPr algn="ctr" latinLnBrk="1"/>
-                      <a:r>
-                        <a:rPr lang="en-US" altLang="ko-KR" sz="1400" dirty="0"/>
-                        <a:t>6</a:t>
-                      </a:r>
-                      <a:r>
-                        <a:rPr lang="ko-KR" altLang="en-US" sz="1400" dirty="0"/>
-                        <a:t>주차</a:t>
-                      </a:r>
-                    </a:p>
-                  </a:txBody>
-                  <a:tcPr/>
-                </a:tc>
-                <a:tc>
-                  <a:txBody>
-                    <a:bodyPr/>
-                    <a:lstStyle/>
-                    <a:p>
-                      <a:pPr algn="ctr" latinLnBrk="1"/>
-                      <a:r>
-                        <a:rPr lang="ko-KR" altLang="en-US" sz="1400" dirty="0"/>
-                        <a:t>보스 및 몬스터 추가 구현</a:t>
-                      </a:r>
-                    </a:p>
-                  </a:txBody>
-                  <a:tcPr/>
-                </a:tc>
-                <a:tc>
-                  <a:txBody>
-                    <a:bodyPr/>
-                    <a:lstStyle/>
-                    <a:p>
-                      <a:pPr algn="l" latinLnBrk="1"/>
-                      <a:r>
-                        <a:rPr lang="ko-KR" altLang="en-US" sz="1400" dirty="0"/>
-                        <a:t>보스의 구현과 몬스터의 공격 패턴 추가 등등 </a:t>
-                      </a:r>
-                      <a:r>
-                        <a:rPr lang="en-US" altLang="ko-KR" sz="1400" dirty="0"/>
-                        <a:t>(</a:t>
-                      </a:r>
-                      <a:r>
-                        <a:rPr lang="ko-KR" altLang="en-US" sz="1400" dirty="0"/>
-                        <a:t>탄막 공격 등</a:t>
-                      </a:r>
-                      <a:r>
-                        <a:rPr lang="en-US" altLang="ko-KR" sz="1400" dirty="0"/>
-                        <a:t>).</a:t>
-                      </a:r>
-                      <a:endParaRPr lang="ko-KR" altLang="en-US" sz="1400" dirty="0"/>
-                    </a:p>
-                  </a:txBody>
-                  <a:tcPr/>
-                </a:tc>
-                <a:tc>
-                  <a:txBody>
-                    <a:bodyPr/>
-                    <a:lstStyle/>
-                    <a:p>
-                      <a:pPr algn="l" latinLnBrk="1"/>
-                      <a:r>
-                        <a:rPr lang="en-US" altLang="ko-KR" sz="1400" dirty="0"/>
-                        <a:t>70%</a:t>
-                      </a:r>
-                      <a:endParaRPr lang="ko-KR" altLang="en-US" sz="1400" dirty="0"/>
-                    </a:p>
-                  </a:txBody>
-                  <a:tcPr/>
-                </a:tc>
-                <a:extLst>
-                  <a:ext uri="{0D108BD9-81ED-4DB2-BD59-A6C34878D82A}">
-                    <a16:rowId xmlns:a16="http://schemas.microsoft.com/office/drawing/2014/main" val="1897895789"/>
-                  </a:ext>
-                </a:extLst>
-              </a:tr>
-              <a:tr h="520092">
-                <a:tc>
-                  <a:txBody>
-                    <a:bodyPr/>
-                    <a:lstStyle/>
-                    <a:p>
-                      <a:pPr algn="ctr" latinLnBrk="1"/>
-                      <a:r>
-                        <a:rPr lang="en-US" altLang="ko-KR" sz="1400" dirty="0"/>
-                        <a:t>7</a:t>
-                      </a:r>
-                      <a:r>
-                        <a:rPr lang="ko-KR" altLang="en-US" sz="1400" dirty="0"/>
-                        <a:t>주차</a:t>
-                      </a:r>
-                    </a:p>
-                  </a:txBody>
-                  <a:tcPr/>
-                </a:tc>
-                <a:tc>
-                  <a:txBody>
-                    <a:bodyPr/>
-                    <a:lstStyle/>
-                    <a:p>
-                      <a:pPr algn="ctr" latinLnBrk="1"/>
-                      <a:r>
-                        <a:rPr lang="ko-KR" altLang="en-US" sz="1400" dirty="0"/>
-                        <a:t>스테이지 및 음식점 및</a:t>
-                      </a:r>
-                      <a:endParaRPr lang="en-US" altLang="ko-KR" sz="1400" dirty="0"/>
-                    </a:p>
-                    <a:p>
-                      <a:pPr algn="ctr" latinLnBrk="1"/>
-                      <a:r>
-                        <a:rPr lang="ko-KR" altLang="en-US" sz="1400" dirty="0"/>
-                        <a:t>장애물 구현</a:t>
-                      </a:r>
-                    </a:p>
-                  </a:txBody>
-                  <a:tcPr/>
-                </a:tc>
-                <a:tc>
-                  <a:txBody>
-                    <a:bodyPr/>
-                    <a:lstStyle/>
-                    <a:p>
-                      <a:pPr algn="l" latinLnBrk="1"/>
-                      <a:r>
-                        <a:rPr lang="ko-KR" altLang="en-US" sz="1400" dirty="0"/>
-                        <a:t>음식점 및 장애물 등 구현된 내용을 바탕으로 스테이지 배치 제작</a:t>
-                      </a:r>
-                      <a:r>
-                        <a:rPr lang="en-US" altLang="ko-KR" sz="1400" dirty="0"/>
-                        <a:t>.</a:t>
-                      </a:r>
-                      <a:endParaRPr lang="ko-KR" altLang="en-US" sz="1400" dirty="0"/>
-                    </a:p>
-                  </a:txBody>
-                  <a:tcPr/>
-                </a:tc>
-                <a:tc>
-                  <a:txBody>
-                    <a:bodyPr/>
-                    <a:lstStyle/>
-                    <a:p>
-                      <a:pPr algn="l" latinLnBrk="1"/>
-                      <a:r>
-                        <a:rPr lang="en-US" altLang="ko-KR" sz="1400" dirty="0"/>
-                        <a:t>20% </a:t>
-                      </a:r>
-                      <a:endParaRPr lang="ko-KR" altLang="en-US" sz="1400" dirty="0"/>
-                    </a:p>
-                  </a:txBody>
-                  <a:tcPr/>
-                </a:tc>
-                <a:extLst>
-                  <a:ext uri="{0D108BD9-81ED-4DB2-BD59-A6C34878D82A}">
-                    <a16:rowId xmlns:a16="http://schemas.microsoft.com/office/drawing/2014/main" val="1483110265"/>
-                  </a:ext>
-                </a:extLst>
-              </a:tr>
-              <a:tr h="520092">
-                <a:tc>
-                  <a:txBody>
-                    <a:bodyPr/>
-                    <a:lstStyle/>
-                    <a:p>
-                      <a:pPr algn="ctr" latinLnBrk="1"/>
-                      <a:r>
-                        <a:rPr lang="en-US" altLang="ko-KR" sz="1400" dirty="0"/>
-                        <a:t>8</a:t>
-                      </a:r>
-                      <a:r>
-                        <a:rPr lang="ko-KR" altLang="en-US" sz="1400" dirty="0"/>
-                        <a:t>주차</a:t>
-                      </a:r>
-                    </a:p>
-                  </a:txBody>
-                  <a:tcPr/>
-                </a:tc>
-                <a:tc>
-                  <a:txBody>
-                    <a:bodyPr/>
-                    <a:lstStyle/>
-                    <a:p>
-                      <a:pPr algn="ctr" latinLnBrk="1"/>
-                      <a:r>
-                        <a:rPr lang="en-US" altLang="ko-KR" sz="1400" dirty="0"/>
-                        <a:t>UI</a:t>
-                      </a:r>
-                      <a:r>
-                        <a:rPr lang="ko-KR" altLang="en-US" sz="1400" dirty="0"/>
-                        <a:t> </a:t>
-                      </a:r>
-                      <a:r>
-                        <a:rPr lang="en-US" altLang="ko-KR" sz="1400" dirty="0"/>
-                        <a:t>&amp;</a:t>
-                      </a:r>
-                      <a:r>
-                        <a:rPr lang="ko-KR" altLang="en-US" sz="1400" dirty="0"/>
-                        <a:t> 사운드 </a:t>
-                      </a:r>
-                      <a:r>
-                        <a:rPr lang="en-US" altLang="ko-KR" sz="1400" dirty="0"/>
-                        <a:t>&amp; </a:t>
-                      </a:r>
-                      <a:r>
-                        <a:rPr lang="ko-KR" altLang="en-US" sz="1400" dirty="0"/>
-                        <a:t>이펙트</a:t>
-                      </a:r>
-                    </a:p>
-                  </a:txBody>
-                  <a:tcPr/>
-                </a:tc>
-                <a:tc>
-                  <a:txBody>
-                    <a:bodyPr/>
-                    <a:lstStyle/>
-                    <a:p>
-                      <a:pPr algn="l" latinLnBrk="1"/>
-                      <a:r>
-                        <a:rPr lang="en-US" altLang="ko-KR" sz="1400" dirty="0"/>
-                        <a:t>UI</a:t>
-                      </a:r>
-                      <a:r>
-                        <a:rPr lang="ko-KR" altLang="en-US" sz="1400" dirty="0"/>
-                        <a:t> 구현 사운드 이펙트 추가</a:t>
-                      </a:r>
-                      <a:r>
-                        <a:rPr lang="en-US" altLang="ko-KR" sz="1400" dirty="0"/>
-                        <a:t>.</a:t>
-                      </a:r>
-                      <a:endParaRPr lang="ko-KR" altLang="en-US" sz="1400" dirty="0"/>
-                    </a:p>
-                  </a:txBody>
-                  <a:tcPr/>
-                </a:tc>
-                <a:tc>
-                  <a:txBody>
-                    <a:bodyPr/>
-                    <a:lstStyle/>
-                    <a:p>
-                      <a:pPr algn="l" latinLnBrk="1"/>
-                      <a:r>
-                        <a:rPr lang="en-US" altLang="ko-KR" sz="1400" dirty="0"/>
-                        <a:t>40%</a:t>
-                      </a:r>
-                      <a:endParaRPr lang="ko-KR" altLang="en-US" sz="1400" dirty="0"/>
-                    </a:p>
-                  </a:txBody>
-                  <a:tcPr/>
-                </a:tc>
-                <a:extLst>
-                  <a:ext uri="{0D108BD9-81ED-4DB2-BD59-A6C34878D82A}">
-                    <a16:rowId xmlns:a16="http://schemas.microsoft.com/office/drawing/2014/main" val="2291193407"/>
-                  </a:ext>
-                </a:extLst>
-              </a:tr>
-              <a:tr h="543018">
-                <a:tc>
-                  <a:txBody>
-                    <a:bodyPr/>
-                    <a:lstStyle/>
-                    <a:p>
-                      <a:pPr algn="ctr" latinLnBrk="1"/>
-                      <a:r>
-                        <a:rPr lang="en-US" altLang="ko-KR" sz="1400" dirty="0"/>
-                        <a:t>9</a:t>
-                      </a:r>
-                      <a:r>
-                        <a:rPr lang="ko-KR" altLang="en-US" sz="1400" dirty="0"/>
-                        <a:t>주차</a:t>
-                      </a:r>
-                    </a:p>
-                  </a:txBody>
-                  <a:tcPr/>
-                </a:tc>
-                <a:tc>
-                  <a:txBody>
-                    <a:bodyPr/>
-                    <a:lstStyle/>
-                    <a:p>
-                      <a:pPr algn="ctr" latinLnBrk="1"/>
-                      <a:r>
-                        <a:rPr lang="ko-KR" altLang="en-US" sz="1400" dirty="0"/>
-                        <a:t>시작과 종료 처리</a:t>
-                      </a:r>
-                      <a:endParaRPr lang="en-US" altLang="ko-KR" sz="1400" dirty="0"/>
-                    </a:p>
-                    <a:p>
-                      <a:pPr algn="ctr" latinLnBrk="1"/>
-                      <a:r>
-                        <a:rPr lang="ko-KR" altLang="en-US" sz="1400" dirty="0"/>
-                        <a:t> </a:t>
-                      </a:r>
-                      <a:r>
-                        <a:rPr lang="en-US" altLang="ko-KR" sz="1400" dirty="0"/>
-                        <a:t>&amp;</a:t>
-                      </a:r>
-                      <a:r>
-                        <a:rPr lang="ko-KR" altLang="en-US" sz="1400" dirty="0"/>
-                        <a:t> 밸런스 조절</a:t>
-                      </a:r>
-                      <a:r>
-                        <a:rPr lang="en-US" altLang="ko-KR" sz="1400" dirty="0"/>
-                        <a:t>.</a:t>
-                      </a:r>
-                      <a:endParaRPr lang="ko-KR" altLang="en-US" sz="1400" dirty="0"/>
-                    </a:p>
-                  </a:txBody>
-                  <a:tcPr/>
-                </a:tc>
-                <a:tc>
-                  <a:txBody>
-                    <a:bodyPr/>
-                    <a:lstStyle/>
-                    <a:p>
-                      <a:pPr algn="l" latinLnBrk="1"/>
-                      <a:r>
-                        <a:rPr lang="ko-KR" altLang="en-US" sz="1400" dirty="0"/>
-                        <a:t>실제적인 게임 시작과 종료 처리 </a:t>
-                      </a:r>
-                      <a:r>
-                        <a:rPr lang="en-US" altLang="ko-KR" sz="1400" dirty="0"/>
-                        <a:t>/ </a:t>
-                      </a:r>
-                      <a:r>
-                        <a:rPr lang="ko-KR" altLang="en-US" sz="1400" dirty="0"/>
-                        <a:t>종료 전 스코어 합산 결과 화면</a:t>
-                      </a:r>
-                      <a:r>
-                        <a:rPr lang="en-US" altLang="ko-KR" sz="1400" dirty="0"/>
-                        <a:t>.</a:t>
-                      </a:r>
-                    </a:p>
-                    <a:p>
-                      <a:pPr algn="l" latinLnBrk="1"/>
-                      <a:r>
-                        <a:rPr lang="ko-KR" altLang="en-US" sz="1400" dirty="0"/>
-                        <a:t>밸런스 조절</a:t>
-                      </a:r>
-                      <a:endParaRPr lang="en-US" altLang="ko-KR" sz="1400" dirty="0"/>
-                    </a:p>
-                  </a:txBody>
-                  <a:tcPr/>
-                </a:tc>
-                <a:tc>
-                  <a:txBody>
-                    <a:bodyPr/>
-                    <a:lstStyle/>
-                    <a:p>
-                      <a:pPr algn="l" latinLnBrk="1"/>
-                      <a:endParaRPr lang="en-US" altLang="ko-KR" sz="1400" dirty="0"/>
-                    </a:p>
-                  </a:txBody>
-                  <a:tcPr/>
-                </a:tc>
-                <a:extLst>
-                  <a:ext uri="{0D108BD9-81ED-4DB2-BD59-A6C34878D82A}">
-                    <a16:rowId xmlns:a16="http://schemas.microsoft.com/office/drawing/2014/main" val="3238679347"/>
-                  </a:ext>
-                </a:extLst>
-              </a:tr>
-              <a:tr h="520092">
-                <a:tc>
-                  <a:txBody>
-                    <a:bodyPr/>
-                    <a:lstStyle/>
-                    <a:p>
-                      <a:pPr algn="ctr" latinLnBrk="1"/>
-                      <a:r>
-                        <a:rPr lang="en-US" altLang="ko-KR" sz="1400" dirty="0"/>
-                        <a:t>10</a:t>
-                      </a:r>
-                      <a:r>
-                        <a:rPr lang="ko-KR" altLang="en-US" sz="1400" dirty="0"/>
-                        <a:t>주차</a:t>
-                      </a:r>
-                    </a:p>
-                  </a:txBody>
-                  <a:tcPr/>
-                </a:tc>
-                <a:tc>
-                  <a:txBody>
-                    <a:bodyPr/>
-                    <a:lstStyle/>
-                    <a:p>
-                      <a:pPr algn="ctr" latinLnBrk="1"/>
-                      <a:r>
-                        <a:rPr lang="ko-KR" altLang="en-US" sz="1400" dirty="0"/>
-                        <a:t>마무리</a:t>
-                      </a:r>
-                    </a:p>
-                  </a:txBody>
-                  <a:tcPr/>
-                </a:tc>
-                <a:tc>
-                  <a:txBody>
-                    <a:bodyPr/>
-                    <a:lstStyle/>
-                    <a:p>
-                      <a:pPr algn="l" latinLnBrk="1"/>
-                      <a:r>
-                        <a:rPr lang="ko-KR" altLang="en-US" sz="1400" dirty="0"/>
-                        <a:t>최종 점검 및 릴리즈</a:t>
-                      </a:r>
-                    </a:p>
-                  </a:txBody>
-                  <a:tcPr/>
-                </a:tc>
-                <a:tc>
-                  <a:txBody>
-                    <a:bodyPr/>
-                    <a:lstStyle/>
-                    <a:p>
-                      <a:pPr algn="l" latinLnBrk="1"/>
-                      <a:endParaRPr lang="ko-KR" altLang="en-US" sz="1400" dirty="0"/>
-                    </a:p>
-                  </a:txBody>
-                  <a:tcPr/>
-                </a:tc>
-                <a:extLst>
-                  <a:ext uri="{0D108BD9-81ED-4DB2-BD59-A6C34878D82A}">
-                    <a16:rowId xmlns:a16="http://schemas.microsoft.com/office/drawing/2014/main" val="1942477009"/>
-                  </a:ext>
-                </a:extLst>
-              </a:tr>
-            </a:tbl>
-          </a:graphicData>
-        </a:graphic>
-      </p:graphicFrame>
-      <p:sp>
-        <p:nvSpPr>
-          <p:cNvPr id="8" name="제목 1">
-            <a:extLst>
-              <a:ext uri="{FF2B5EF4-FFF2-40B4-BE49-F238E27FC236}">
-                <a16:creationId xmlns:a16="http://schemas.microsoft.com/office/drawing/2014/main" id="{AF064DB2-C1E3-49C0-8802-27F19B2E86F7}"/>
-              </a:ext>
-            </a:extLst>
-          </p:cNvPr>
-          <p:cNvSpPr txBox="1">
-            <a:spLocks/>
-          </p:cNvSpPr>
-          <p:nvPr/>
-        </p:nvSpPr>
-        <p:spPr>
-          <a:xfrm>
-            <a:off x="520072" y="354099"/>
-            <a:ext cx="6132968" cy="312738"/>
-          </a:xfrm>
-          <a:prstGeom prst="rect">
-            <a:avLst/>
-          </a:prstGeom>
-        </p:spPr>
-        <p:txBody>
-          <a:bodyPr vert="horz" lIns="91440" tIns="45720" rIns="91440" bIns="45720" rtlCol="0" anchor="ctr">
-            <a:noAutofit/>
-          </a:bodyPr>
-          <a:lstStyle>
-            <a:lvl1pPr algn="l" defTabSz="914400" rtl="0" eaLnBrk="1" latinLnBrk="1" hangingPunct="1">
-              <a:lnSpc>
-                <a:spcPct val="90000"/>
-              </a:lnSpc>
-              <a:spcBef>
-                <a:spcPct val="0"/>
-              </a:spcBef>
-              <a:buNone/>
-              <a:defRPr sz="4400" kern="1200">
-                <a:solidFill>
-                  <a:schemeClr val="tx1"/>
-                </a:solidFill>
-                <a:latin typeface="+mj-lt"/>
-                <a:ea typeface="+mj-ea"/>
-                <a:cs typeface="+mj-cs"/>
-              </a:defRPr>
-            </a:lvl1pPr>
-          </a:lstStyle>
-          <a:p>
-            <a:r>
-              <a:rPr lang="ko-KR" altLang="en-US" sz="3200" dirty="0"/>
-              <a:t>개발 일정</a:t>
-            </a:r>
-            <a:r>
-              <a:rPr lang="en-US" altLang="ko-KR" sz="3200" dirty="0"/>
-              <a:t>.</a:t>
-            </a:r>
-            <a:endParaRPr lang="ko-KR" altLang="en-US" sz="3200" dirty="0"/>
-          </a:p>
-        </p:txBody>
-      </p:sp>
-      <p:cxnSp>
-        <p:nvCxnSpPr>
-          <p:cNvPr id="9" name="직선 연결선 8">
-            <a:extLst>
-              <a:ext uri="{FF2B5EF4-FFF2-40B4-BE49-F238E27FC236}">
-                <a16:creationId xmlns:a16="http://schemas.microsoft.com/office/drawing/2014/main" id="{95FA170E-E585-4028-8300-2D37C6C8EE72}"/>
-              </a:ext>
-            </a:extLst>
-          </p:cNvPr>
-          <p:cNvCxnSpPr/>
-          <p:nvPr/>
-        </p:nvCxnSpPr>
-        <p:spPr>
-          <a:xfrm>
-            <a:off x="520072" y="715224"/>
-            <a:ext cx="10805813" cy="0"/>
-          </a:xfrm>
-          <a:prstGeom prst="line">
-            <a:avLst/>
-          </a:prstGeom>
-          <a:ln>
-            <a:solidFill>
-              <a:schemeClr val="tx1"/>
-            </a:solidFill>
-          </a:ln>
-        </p:spPr>
-        <p:style>
-          <a:lnRef idx="1">
-            <a:schemeClr val="accent1"/>
-          </a:lnRef>
-          <a:fillRef idx="0">
-            <a:schemeClr val="accent1"/>
-          </a:fillRef>
-          <a:effectRef idx="0">
-            <a:schemeClr val="accent1"/>
-          </a:effectRef>
-          <a:fontRef idx="minor">
-            <a:schemeClr val="tx1"/>
-          </a:fontRef>
-        </p:style>
-      </p:cxnSp>
-      <p:sp>
-        <p:nvSpPr>
-          <p:cNvPr id="2" name="TextBox 1">
-            <a:extLst>
-              <a:ext uri="{FF2B5EF4-FFF2-40B4-BE49-F238E27FC236}">
-                <a16:creationId xmlns:a16="http://schemas.microsoft.com/office/drawing/2014/main" id="{F1B221C8-BE32-4856-9626-BD281C983AD7}"/>
-              </a:ext>
-            </a:extLst>
-          </p:cNvPr>
-          <p:cNvSpPr txBox="1"/>
-          <p:nvPr/>
-        </p:nvSpPr>
-        <p:spPr>
-          <a:xfrm>
-            <a:off x="520072" y="6353908"/>
-            <a:ext cx="10948028" cy="369332"/>
-          </a:xfrm>
-          <a:prstGeom prst="rect">
-            <a:avLst/>
-          </a:prstGeom>
-          <a:noFill/>
-        </p:spPr>
-        <p:txBody>
-          <a:bodyPr wrap="square" rtlCol="0">
-            <a:spAutoFit/>
-          </a:bodyPr>
-          <a:lstStyle/>
-          <a:p>
-            <a:r>
-              <a:rPr lang="ko-KR" altLang="en-US" dirty="0">
-                <a:solidFill>
-                  <a:srgbClr val="FF0000"/>
-                </a:solidFill>
-              </a:rPr>
-              <a:t>수정 사항 </a:t>
-            </a:r>
-            <a:r>
-              <a:rPr lang="en-US" altLang="ko-KR" dirty="0">
-                <a:solidFill>
-                  <a:srgbClr val="FF0000"/>
-                </a:solidFill>
-              </a:rPr>
-              <a:t>: </a:t>
-            </a:r>
-            <a:r>
-              <a:rPr lang="ko-KR" altLang="en-US" dirty="0">
-                <a:solidFill>
-                  <a:srgbClr val="FF0000"/>
-                </a:solidFill>
-              </a:rPr>
-              <a:t>빨간 글씨</a:t>
-            </a:r>
-          </a:p>
-        </p:txBody>
-      </p:sp>
-    </p:spTree>
-    <p:extLst>
-      <p:ext uri="{BB962C8B-B14F-4D97-AF65-F5344CB8AC3E}">
-        <p14:creationId xmlns:p14="http://schemas.microsoft.com/office/powerpoint/2010/main" val="2508466558"/>
-      </p:ext>
-    </p:extLst>
-  </p:cSld>
-  <p:clrMapOvr>
-    <a:masterClrMapping/>
-  </p:clrMapOvr>
-</p:sld>
-</file>
-
-<file path=ppt/slides/slide5.xml><?xml version="1.0" encoding="utf-8"?>
-<p:sld xmlns:a="http://schemas.openxmlformats.org/drawingml/2006/main" xmlns:r="http://schemas.openxmlformats.org/officeDocument/2006/relationships" xmlns:p="http://schemas.openxmlformats.org/presentationml/2006/main">
-  <p:cSld>
-    <p:spTree>
-      <p:nvGrpSpPr>
-        <p:cNvPr id="1" name=""/>
-        <p:cNvGrpSpPr/>
-        <p:nvPr/>
-      </p:nvGrpSpPr>
-      <p:grpSpPr>
-        <a:xfrm>
-          <a:off x="0" y="0"/>
-          <a:ext cx="0" cy="0"/>
-          <a:chOff x="0" y="0"/>
-          <a:chExt cx="0" cy="0"/>
-        </a:xfrm>
-      </p:grpSpPr>
       <p:pic>
         <p:nvPicPr>
           <p:cNvPr id="2" name="그림 1">
@@ -6273,7 +5108,7 @@
           <p:nvPr>
             <p:extLst>
               <p:ext uri="{D42A27DB-BD31-4B8C-83A1-F6EECF244321}">
-                <p14:modId xmlns:p14="http://schemas.microsoft.com/office/powerpoint/2010/main" val="1557041573"/>
+                <p14:modId xmlns:p14="http://schemas.microsoft.com/office/powerpoint/2010/main" val="2104840900"/>
               </p:ext>
             </p:extLst>
           </p:nvPr>
@@ -6367,7 +5202,7 @@
                       <a:pPr latinLnBrk="1"/>
                       <a:r>
                         <a:rPr lang="en-US" altLang="ko-KR" dirty="0"/>
-                        <a:t>3</a:t>
+                        <a:t>1 ( 3 - 2 )</a:t>
                       </a:r>
                       <a:endParaRPr lang="ko-KR" altLang="en-US" dirty="0"/>
                     </a:p>
@@ -6404,7 +5239,7 @@
                       <a:pPr latinLnBrk="1"/>
                       <a:r>
                         <a:rPr lang="en-US" altLang="ko-KR" dirty="0"/>
-                        <a:t>4</a:t>
+                        <a:t>2 ( 4 – 2 )</a:t>
                       </a:r>
                       <a:endParaRPr lang="ko-KR" altLang="en-US" dirty="0"/>
                     </a:p>
@@ -6441,7 +5276,7 @@
                       <a:pPr latinLnBrk="1"/>
                       <a:r>
                         <a:rPr lang="en-US" altLang="ko-KR" dirty="0"/>
-                        <a:t>5</a:t>
+                        <a:t>2 ( 5 – 3 )</a:t>
                       </a:r>
                       <a:endParaRPr lang="ko-KR" altLang="en-US" dirty="0"/>
                     </a:p>
@@ -6478,7 +5313,7 @@
                       <a:pPr latinLnBrk="1"/>
                       <a:r>
                         <a:rPr lang="en-US" altLang="ko-KR" dirty="0"/>
-                        <a:t>8</a:t>
+                        <a:t>5 ( 8 – 3 )</a:t>
                       </a:r>
                       <a:endParaRPr lang="ko-KR" altLang="en-US" dirty="0"/>
                     </a:p>
@@ -6693,7 +5528,7 @@
 </p:sld>
 </file>
 
-<file path=ppt/slides/slide6.xml><?xml version="1.0" encoding="utf-8"?>
+<file path=ppt/slides/slide5.xml><?xml version="1.0" encoding="utf-8"?>
 <p:sld xmlns:a="http://schemas.openxmlformats.org/drawingml/2006/main" xmlns:r="http://schemas.openxmlformats.org/officeDocument/2006/relationships" xmlns:p="http://schemas.openxmlformats.org/presentationml/2006/main">
   <p:cSld>
     <p:spTree>
